--- a/documents/projectmanagement/Initialisierung/Chancen_Risiko_Portfolio.pptx
+++ b/documents/projectmanagement/Initialisierung/Chancen_Risiko_Portfolio.pptx
@@ -104,6 +104,11 @@
       </a:defRPr>
     </a:lvl9pPr>
   </p:defaultTextStyle>
+  <p:extLst>
+    <p:ext uri="{EFAFB233-063F-42B5-8137-9DF3F51BA10A}">
+      <p15:sldGuideLst xmlns:p15="http://schemas.microsoft.com/office/powerpoint/2012/main"/>
+    </p:ext>
+  </p:extLst>
 </p:presentation>
 </file>
 
@@ -152,7 +157,6 @@
               <a:rPr lang="de-DE"/>
               <a:t>Titelmasterformat durch Klicken bearbeiten</a:t>
             </a:r>
-            <a:endParaRPr lang="de-DE"/>
           </a:p>
         </p:txBody>
       </p:sp>
@@ -217,7 +221,6 @@
               <a:rPr lang="de-DE"/>
               <a:t>Formatvorlage des Untertitelmasters durch Klicken bearbeiten</a:t>
             </a:r>
-            <a:endParaRPr lang="de-DE"/>
           </a:p>
         </p:txBody>
       </p:sp>
@@ -238,7 +241,7 @@
           <a:p>
             <a:fld id="{65ABE77A-2990-41F9-9DAD-3980B7426935}" type="datetimeFigureOut">
               <a:rPr lang="de-DE" smtClean="0"/>
-              <a:t>13.07.2016</a:t>
+              <a:t>18.07.2016</a:t>
             </a:fld>
             <a:endParaRPr lang="de-DE"/>
           </a:p>
@@ -335,7 +338,6 @@
               <a:rPr lang="de-DE"/>
               <a:t>Titelmasterformat durch Klicken bearbeiten</a:t>
             </a:r>
-            <a:endParaRPr lang="de-DE"/>
           </a:p>
         </p:txBody>
       </p:sp>
@@ -387,7 +389,6 @@
               <a:rPr lang="de-DE"/>
               <a:t>Fünfte Ebene</a:t>
             </a:r>
-            <a:endParaRPr lang="de-DE"/>
           </a:p>
         </p:txBody>
       </p:sp>
@@ -408,7 +409,7 @@
           <a:p>
             <a:fld id="{65ABE77A-2990-41F9-9DAD-3980B7426935}" type="datetimeFigureOut">
               <a:rPr lang="de-DE" smtClean="0"/>
-              <a:t>13.07.2016</a:t>
+              <a:t>18.07.2016</a:t>
             </a:fld>
             <a:endParaRPr lang="de-DE"/>
           </a:p>
@@ -510,7 +511,6 @@
               <a:rPr lang="de-DE"/>
               <a:t>Titelmasterformat durch Klicken bearbeiten</a:t>
             </a:r>
-            <a:endParaRPr lang="de-DE"/>
           </a:p>
         </p:txBody>
       </p:sp>
@@ -567,7 +567,6 @@
               <a:rPr lang="de-DE"/>
               <a:t>Fünfte Ebene</a:t>
             </a:r>
-            <a:endParaRPr lang="de-DE"/>
           </a:p>
         </p:txBody>
       </p:sp>
@@ -588,7 +587,7 @@
           <a:p>
             <a:fld id="{65ABE77A-2990-41F9-9DAD-3980B7426935}" type="datetimeFigureOut">
               <a:rPr lang="de-DE" smtClean="0"/>
-              <a:t>13.07.2016</a:t>
+              <a:t>18.07.2016</a:t>
             </a:fld>
             <a:endParaRPr lang="de-DE"/>
           </a:p>
@@ -685,7 +684,6 @@
               <a:rPr lang="de-DE"/>
               <a:t>Titelmasterformat durch Klicken bearbeiten</a:t>
             </a:r>
-            <a:endParaRPr lang="de-DE"/>
           </a:p>
         </p:txBody>
       </p:sp>
@@ -737,7 +735,6 @@
               <a:rPr lang="de-DE"/>
               <a:t>Fünfte Ebene</a:t>
             </a:r>
-            <a:endParaRPr lang="de-DE"/>
           </a:p>
         </p:txBody>
       </p:sp>
@@ -758,7 +755,7 @@
           <a:p>
             <a:fld id="{65ABE77A-2990-41F9-9DAD-3980B7426935}" type="datetimeFigureOut">
               <a:rPr lang="de-DE" smtClean="0"/>
-              <a:t>13.07.2016</a:t>
+              <a:t>18.07.2016</a:t>
             </a:fld>
             <a:endParaRPr lang="de-DE"/>
           </a:p>
@@ -864,7 +861,6 @@
               <a:rPr lang="de-DE"/>
               <a:t>Titelmasterformat durch Klicken bearbeiten</a:t>
             </a:r>
-            <a:endParaRPr lang="de-DE"/>
           </a:p>
         </p:txBody>
       </p:sp>
@@ -1004,7 +1000,7 @@
           <a:p>
             <a:fld id="{65ABE77A-2990-41F9-9DAD-3980B7426935}" type="datetimeFigureOut">
               <a:rPr lang="de-DE" smtClean="0"/>
-              <a:t>13.07.2016</a:t>
+              <a:t>18.07.2016</a:t>
             </a:fld>
             <a:endParaRPr lang="de-DE"/>
           </a:p>
@@ -1101,7 +1097,6 @@
               <a:rPr lang="de-DE"/>
               <a:t>Titelmasterformat durch Klicken bearbeiten</a:t>
             </a:r>
-            <a:endParaRPr lang="de-DE"/>
           </a:p>
         </p:txBody>
       </p:sp>
@@ -1158,7 +1153,6 @@
               <a:rPr lang="de-DE"/>
               <a:t>Fünfte Ebene</a:t>
             </a:r>
-            <a:endParaRPr lang="de-DE"/>
           </a:p>
         </p:txBody>
       </p:sp>
@@ -1215,7 +1209,6 @@
               <a:rPr lang="de-DE"/>
               <a:t>Fünfte Ebene</a:t>
             </a:r>
-            <a:endParaRPr lang="de-DE"/>
           </a:p>
         </p:txBody>
       </p:sp>
@@ -1236,7 +1229,7 @@
           <a:p>
             <a:fld id="{65ABE77A-2990-41F9-9DAD-3980B7426935}" type="datetimeFigureOut">
               <a:rPr lang="de-DE" smtClean="0"/>
-              <a:t>13.07.2016</a:t>
+              <a:t>18.07.2016</a:t>
             </a:fld>
             <a:endParaRPr lang="de-DE"/>
           </a:p>
@@ -1338,7 +1331,6 @@
               <a:rPr lang="de-DE"/>
               <a:t>Titelmasterformat durch Klicken bearbeiten</a:t>
             </a:r>
-            <a:endParaRPr lang="de-DE"/>
           </a:p>
         </p:txBody>
       </p:sp>
@@ -1460,7 +1452,6 @@
               <a:rPr lang="de-DE"/>
               <a:t>Fünfte Ebene</a:t>
             </a:r>
-            <a:endParaRPr lang="de-DE"/>
           </a:p>
         </p:txBody>
       </p:sp>
@@ -1582,7 +1573,6 @@
               <a:rPr lang="de-DE"/>
               <a:t>Fünfte Ebene</a:t>
             </a:r>
-            <a:endParaRPr lang="de-DE"/>
           </a:p>
         </p:txBody>
       </p:sp>
@@ -1603,7 +1593,7 @@
           <a:p>
             <a:fld id="{65ABE77A-2990-41F9-9DAD-3980B7426935}" type="datetimeFigureOut">
               <a:rPr lang="de-DE" smtClean="0"/>
-              <a:t>13.07.2016</a:t>
+              <a:t>18.07.2016</a:t>
             </a:fld>
             <a:endParaRPr lang="de-DE"/>
           </a:p>
@@ -1700,7 +1690,6 @@
               <a:rPr lang="de-DE"/>
               <a:t>Titelmasterformat durch Klicken bearbeiten</a:t>
             </a:r>
-            <a:endParaRPr lang="de-DE"/>
           </a:p>
         </p:txBody>
       </p:sp>
@@ -1721,7 +1710,7 @@
           <a:p>
             <a:fld id="{65ABE77A-2990-41F9-9DAD-3980B7426935}" type="datetimeFigureOut">
               <a:rPr lang="de-DE" smtClean="0"/>
-              <a:t>13.07.2016</a:t>
+              <a:t>18.07.2016</a:t>
             </a:fld>
             <a:endParaRPr lang="de-DE"/>
           </a:p>
@@ -1816,7 +1805,7 @@
           <a:p>
             <a:fld id="{65ABE77A-2990-41F9-9DAD-3980B7426935}" type="datetimeFigureOut">
               <a:rPr lang="de-DE" smtClean="0"/>
-              <a:t>13.07.2016</a:t>
+              <a:t>18.07.2016</a:t>
             </a:fld>
             <a:endParaRPr lang="de-DE"/>
           </a:p>
@@ -1922,7 +1911,6 @@
               <a:rPr lang="de-DE"/>
               <a:t>Titelmasterformat durch Klicken bearbeiten</a:t>
             </a:r>
-            <a:endParaRPr lang="de-DE"/>
           </a:p>
         </p:txBody>
       </p:sp>
@@ -2007,7 +1995,6 @@
               <a:rPr lang="de-DE"/>
               <a:t>Fünfte Ebene</a:t>
             </a:r>
-            <a:endParaRPr lang="de-DE"/>
           </a:p>
         </p:txBody>
       </p:sp>
@@ -2093,7 +2080,7 @@
           <a:p>
             <a:fld id="{65ABE77A-2990-41F9-9DAD-3980B7426935}" type="datetimeFigureOut">
               <a:rPr lang="de-DE" smtClean="0"/>
-              <a:t>13.07.2016</a:t>
+              <a:t>18.07.2016</a:t>
             </a:fld>
             <a:endParaRPr lang="de-DE"/>
           </a:p>
@@ -2199,7 +2186,6 @@
               <a:rPr lang="de-DE"/>
               <a:t>Titelmasterformat durch Klicken bearbeiten</a:t>
             </a:r>
-            <a:endParaRPr lang="de-DE"/>
           </a:p>
         </p:txBody>
       </p:sp>
@@ -2346,7 +2332,7 @@
           <a:p>
             <a:fld id="{65ABE77A-2990-41F9-9DAD-3980B7426935}" type="datetimeFigureOut">
               <a:rPr lang="de-DE" smtClean="0"/>
-              <a:t>13.07.2016</a:t>
+              <a:t>18.07.2016</a:t>
             </a:fld>
             <a:endParaRPr lang="de-DE"/>
           </a:p>
@@ -2458,7 +2444,6 @@
               <a:rPr lang="de-DE"/>
               <a:t>Titelmasterformat durch Klicken bearbeiten</a:t>
             </a:r>
-            <a:endParaRPr lang="de-DE"/>
           </a:p>
         </p:txBody>
       </p:sp>
@@ -2520,7 +2505,6 @@
               <a:rPr lang="de-DE"/>
               <a:t>Fünfte Ebene</a:t>
             </a:r>
-            <a:endParaRPr lang="de-DE"/>
           </a:p>
         </p:txBody>
       </p:sp>
@@ -2559,7 +2543,7 @@
           <a:p>
             <a:fld id="{65ABE77A-2990-41F9-9DAD-3980B7426935}" type="datetimeFigureOut">
               <a:rPr lang="de-DE" smtClean="0"/>
-              <a:t>13.07.2016</a:t>
+              <a:t>18.07.2016</a:t>
             </a:fld>
             <a:endParaRPr lang="de-DE"/>
           </a:p>

--- a/documents/projectmanagement/Initialisierung/Chancen_Risiko_Portfolio.pptx
+++ b/documents/projectmanagement/Initialisierung/Chancen_Risiko_Portfolio.pptx
@@ -6,6 +6,7 @@
   </p:sldMasterIdLst>
   <p:sldIdLst>
     <p:sldId id="256" r:id="rId2"/>
+    <p:sldId id="257" r:id="rId3"/>
   </p:sldIdLst>
   <p:sldSz cx="12192000" cy="6858000"/>
   <p:notesSz cx="6858000" cy="9144000"/>
@@ -241,7 +242,7 @@
           <a:p>
             <a:fld id="{65ABE77A-2990-41F9-9DAD-3980B7426935}" type="datetimeFigureOut">
               <a:rPr lang="de-DE" smtClean="0"/>
-              <a:t>18.07.2016</a:t>
+              <a:t>26.07.2016</a:t>
             </a:fld>
             <a:endParaRPr lang="de-DE"/>
           </a:p>
@@ -409,7 +410,7 @@
           <a:p>
             <a:fld id="{65ABE77A-2990-41F9-9DAD-3980B7426935}" type="datetimeFigureOut">
               <a:rPr lang="de-DE" smtClean="0"/>
-              <a:t>18.07.2016</a:t>
+              <a:t>26.07.2016</a:t>
             </a:fld>
             <a:endParaRPr lang="de-DE"/>
           </a:p>
@@ -587,7 +588,7 @@
           <a:p>
             <a:fld id="{65ABE77A-2990-41F9-9DAD-3980B7426935}" type="datetimeFigureOut">
               <a:rPr lang="de-DE" smtClean="0"/>
-              <a:t>18.07.2016</a:t>
+              <a:t>26.07.2016</a:t>
             </a:fld>
             <a:endParaRPr lang="de-DE"/>
           </a:p>
@@ -755,7 +756,7 @@
           <a:p>
             <a:fld id="{65ABE77A-2990-41F9-9DAD-3980B7426935}" type="datetimeFigureOut">
               <a:rPr lang="de-DE" smtClean="0"/>
-              <a:t>18.07.2016</a:t>
+              <a:t>26.07.2016</a:t>
             </a:fld>
             <a:endParaRPr lang="de-DE"/>
           </a:p>
@@ -1000,7 +1001,7 @@
           <a:p>
             <a:fld id="{65ABE77A-2990-41F9-9DAD-3980B7426935}" type="datetimeFigureOut">
               <a:rPr lang="de-DE" smtClean="0"/>
-              <a:t>18.07.2016</a:t>
+              <a:t>26.07.2016</a:t>
             </a:fld>
             <a:endParaRPr lang="de-DE"/>
           </a:p>
@@ -1229,7 +1230,7 @@
           <a:p>
             <a:fld id="{65ABE77A-2990-41F9-9DAD-3980B7426935}" type="datetimeFigureOut">
               <a:rPr lang="de-DE" smtClean="0"/>
-              <a:t>18.07.2016</a:t>
+              <a:t>26.07.2016</a:t>
             </a:fld>
             <a:endParaRPr lang="de-DE"/>
           </a:p>
@@ -1593,7 +1594,7 @@
           <a:p>
             <a:fld id="{65ABE77A-2990-41F9-9DAD-3980B7426935}" type="datetimeFigureOut">
               <a:rPr lang="de-DE" smtClean="0"/>
-              <a:t>18.07.2016</a:t>
+              <a:t>26.07.2016</a:t>
             </a:fld>
             <a:endParaRPr lang="de-DE"/>
           </a:p>
@@ -1710,7 +1711,7 @@
           <a:p>
             <a:fld id="{65ABE77A-2990-41F9-9DAD-3980B7426935}" type="datetimeFigureOut">
               <a:rPr lang="de-DE" smtClean="0"/>
-              <a:t>18.07.2016</a:t>
+              <a:t>26.07.2016</a:t>
             </a:fld>
             <a:endParaRPr lang="de-DE"/>
           </a:p>
@@ -1805,7 +1806,7 @@
           <a:p>
             <a:fld id="{65ABE77A-2990-41F9-9DAD-3980B7426935}" type="datetimeFigureOut">
               <a:rPr lang="de-DE" smtClean="0"/>
-              <a:t>18.07.2016</a:t>
+              <a:t>26.07.2016</a:t>
             </a:fld>
             <a:endParaRPr lang="de-DE"/>
           </a:p>
@@ -2080,7 +2081,7 @@
           <a:p>
             <a:fld id="{65ABE77A-2990-41F9-9DAD-3980B7426935}" type="datetimeFigureOut">
               <a:rPr lang="de-DE" smtClean="0"/>
-              <a:t>18.07.2016</a:t>
+              <a:t>26.07.2016</a:t>
             </a:fld>
             <a:endParaRPr lang="de-DE"/>
           </a:p>
@@ -2332,7 +2333,7 @@
           <a:p>
             <a:fld id="{65ABE77A-2990-41F9-9DAD-3980B7426935}" type="datetimeFigureOut">
               <a:rPr lang="de-DE" smtClean="0"/>
-              <a:t>18.07.2016</a:t>
+              <a:t>26.07.2016</a:t>
             </a:fld>
             <a:endParaRPr lang="de-DE"/>
           </a:p>
@@ -2543,7 +2544,7 @@
           <a:p>
             <a:fld id="{65ABE77A-2990-41F9-9DAD-3980B7426935}" type="datetimeFigureOut">
               <a:rPr lang="de-DE" smtClean="0"/>
-              <a:t>18.07.2016</a:t>
+              <a:t>26.07.2016</a:t>
             </a:fld>
             <a:endParaRPr lang="de-DE"/>
           </a:p>
@@ -2958,15 +2959,30 @@
             <p:ph type="title"/>
           </p:nvPr>
         </p:nvSpPr>
-        <p:spPr/>
+        <p:spPr>
+          <a:xfrm>
+            <a:off x="838200" y="142938"/>
+            <a:ext cx="10515600" cy="1325563"/>
+          </a:xfrm>
+        </p:spPr>
         <p:txBody>
           <a:bodyPr/>
           <a:lstStyle/>
           <a:p>
             <a:r>
               <a:rPr lang="de-DE" dirty="0"/>
-              <a:t>Chancen / Risiko Portfolio</a:t>
-            </a:r>
+              <a:t>Chancen / Risiko Portfolio </a:t>
+            </a:r>
+            <a:br>
+              <a:rPr lang="de-DE" dirty="0"/>
+            </a:br>
+            <a:r>
+              <a:rPr lang="de-DE" dirty="0">
+                <a:sym typeface="Wingdings" panose="05000000000000000000" pitchFamily="2" charset="2"/>
+              </a:rPr>
+              <a:t> Sicht Projektteam</a:t>
+            </a:r>
+            <a:endParaRPr lang="de-DE" dirty="0"/>
           </a:p>
         </p:txBody>
       </p:sp>
@@ -3147,7 +3163,7 @@
                     <a:bodyPr/>
                     <a:lstStyle/>
                     <a:p>
-                      <a:endParaRPr lang="de-DE" sz="1800" b="0"/>
+                      <a:endParaRPr lang="de-DE" sz="1800" b="0" dirty="0"/>
                     </a:p>
                   </a:txBody>
                   <a:tcPr>
@@ -4521,13 +4537,13 @@
       </p:sp>
       <p:sp>
         <p:nvSpPr>
-          <p:cNvPr id="11" name="Ellipse 10"/>
+          <p:cNvPr id="12" name="Ellipse 11"/>
           <p:cNvSpPr/>
           <p:nvPr/>
         </p:nvSpPr>
         <p:spPr>
           <a:xfrm>
-            <a:off x="9938951" y="2240692"/>
+            <a:off x="5641373" y="1928151"/>
             <a:ext cx="951471" cy="803189"/>
           </a:xfrm>
           <a:prstGeom prst="ellipse">
@@ -4556,25 +4572,21 @@
           <a:p>
             <a:pPr algn="ctr"/>
             <a:r>
-              <a:rPr lang="de-DE" sz="1100" dirty="0" err="1"/>
-              <a:t>Erfas-sung</a:t>
-            </a:r>
-            <a:r>
-              <a:rPr lang="de-DE" sz="1100" dirty="0"/>
-              <a:t> Projekte</a:t>
-            </a:r>
-          </a:p>
-        </p:txBody>
-      </p:sp>
-      <p:sp>
-        <p:nvSpPr>
-          <p:cNvPr id="12" name="Ellipse 11"/>
+              <a:rPr lang="de-DE" sz="1200" dirty="0"/>
+              <a:t>Wiederverkauf Software</a:t>
+            </a:r>
+          </a:p>
+        </p:txBody>
+      </p:sp>
+      <p:sp>
+        <p:nvSpPr>
+          <p:cNvPr id="13" name="Ellipse 12"/>
           <p:cNvSpPr/>
           <p:nvPr/>
         </p:nvSpPr>
         <p:spPr>
           <a:xfrm>
-            <a:off x="8184292" y="4454610"/>
+            <a:off x="9926594" y="3342683"/>
             <a:ext cx="951471" cy="803189"/>
           </a:xfrm>
           <a:prstGeom prst="ellipse">
@@ -4604,20 +4616,64 @@
             <a:pPr algn="ctr"/>
             <a:r>
               <a:rPr lang="de-DE" sz="1200" dirty="0"/>
-              <a:t>Über-sicht</a:t>
-            </a:r>
-          </a:p>
-        </p:txBody>
-      </p:sp>
-      <p:sp>
-        <p:nvSpPr>
-          <p:cNvPr id="13" name="Ellipse 12"/>
+              <a:t>Qualifikationszugewinn</a:t>
+            </a:r>
+          </a:p>
+        </p:txBody>
+      </p:sp>
+      <p:sp>
+        <p:nvSpPr>
+          <p:cNvPr id="14" name="Ellipse 13"/>
           <p:cNvSpPr/>
           <p:nvPr/>
         </p:nvSpPr>
         <p:spPr>
           <a:xfrm>
-            <a:off x="9830830" y="3756578"/>
+            <a:off x="8231658" y="1845288"/>
+            <a:ext cx="951471" cy="803189"/>
+          </a:xfrm>
+          <a:prstGeom prst="ellipse">
+            <a:avLst/>
+          </a:prstGeom>
+        </p:spPr>
+        <p:style>
+          <a:lnRef idx="2">
+            <a:schemeClr val="accent2">
+              <a:shade val="50000"/>
+            </a:schemeClr>
+          </a:lnRef>
+          <a:fillRef idx="1">
+            <a:schemeClr val="accent2"/>
+          </a:fillRef>
+          <a:effectRef idx="0">
+            <a:schemeClr val="accent2"/>
+          </a:effectRef>
+          <a:fontRef idx="minor">
+            <a:schemeClr val="lt1"/>
+          </a:fontRef>
+        </p:style>
+        <p:txBody>
+          <a:bodyPr rtlCol="0" anchor="ctr"/>
+          <a:lstStyle/>
+          <a:p>
+            <a:pPr algn="ctr"/>
+            <a:r>
+              <a:rPr lang="de-DE" sz="1200" dirty="0" err="1"/>
+              <a:t>Kon-kurrenz</a:t>
+            </a:r>
+            <a:endParaRPr lang="de-DE" sz="1200" dirty="0"/>
+          </a:p>
+        </p:txBody>
+      </p:sp>
+      <p:sp>
+        <p:nvSpPr>
+          <p:cNvPr id="15" name="Ellipse 14"/>
+          <p:cNvSpPr/>
+          <p:nvPr/>
+        </p:nvSpPr>
+        <p:spPr>
+          <a:xfrm>
+            <a:off x="6668529" y="3150973"/>
             <a:ext cx="951471" cy="803189"/>
           </a:xfrm>
           <a:prstGeom prst="ellipse">
@@ -4646,21 +4702,1676 @@
           <a:p>
             <a:pPr algn="ctr"/>
             <a:r>
-              <a:rPr lang="de-DE" sz="1200" dirty="0"/>
-              <a:t>Budget-plan</a:t>
-            </a:r>
-          </a:p>
-        </p:txBody>
-      </p:sp>
-      <p:sp>
-        <p:nvSpPr>
-          <p:cNvPr id="14" name="Ellipse 13"/>
+              <a:rPr lang="de-DE" sz="1100" dirty="0"/>
+              <a:t>Erfahrungs-zugewinn</a:t>
+            </a:r>
+          </a:p>
+        </p:txBody>
+      </p:sp>
+      <p:sp>
+        <p:nvSpPr>
+          <p:cNvPr id="16" name="Ellipse 15"/>
           <p:cNvSpPr/>
           <p:nvPr/>
         </p:nvSpPr>
         <p:spPr>
           <a:xfrm>
-            <a:off x="5620264" y="1931773"/>
+            <a:off x="3515498" y="1854009"/>
+            <a:ext cx="1037967" cy="840260"/>
+          </a:xfrm>
+          <a:prstGeom prst="ellipse">
+            <a:avLst/>
+          </a:prstGeom>
+        </p:spPr>
+        <p:style>
+          <a:lnRef idx="2">
+            <a:schemeClr val="accent2">
+              <a:shade val="50000"/>
+            </a:schemeClr>
+          </a:lnRef>
+          <a:fillRef idx="1">
+            <a:schemeClr val="accent2"/>
+          </a:fillRef>
+          <a:effectRef idx="0">
+            <a:schemeClr val="accent2"/>
+          </a:effectRef>
+          <a:fontRef idx="minor">
+            <a:schemeClr val="lt1"/>
+          </a:fontRef>
+        </p:style>
+        <p:txBody>
+          <a:bodyPr rtlCol="0" anchor="ctr"/>
+          <a:lstStyle/>
+          <a:p>
+            <a:pPr algn="ctr"/>
+            <a:r>
+              <a:rPr lang="de-DE" sz="1200" dirty="0"/>
+              <a:t>Fehlende Qualifikation</a:t>
+            </a:r>
+          </a:p>
+        </p:txBody>
+      </p:sp>
+      <p:sp>
+        <p:nvSpPr>
+          <p:cNvPr id="17" name="Ellipse 16"/>
+          <p:cNvSpPr/>
+          <p:nvPr/>
+        </p:nvSpPr>
+        <p:spPr>
+          <a:xfrm>
+            <a:off x="10306565" y="1820562"/>
+            <a:ext cx="1037967" cy="840260"/>
+          </a:xfrm>
+          <a:prstGeom prst="ellipse">
+            <a:avLst/>
+          </a:prstGeom>
+        </p:spPr>
+        <p:style>
+          <a:lnRef idx="2">
+            <a:schemeClr val="accent2">
+              <a:shade val="50000"/>
+            </a:schemeClr>
+          </a:lnRef>
+          <a:fillRef idx="1">
+            <a:schemeClr val="accent2"/>
+          </a:fillRef>
+          <a:effectRef idx="0">
+            <a:schemeClr val="accent2"/>
+          </a:effectRef>
+          <a:fontRef idx="minor">
+            <a:schemeClr val="lt1"/>
+          </a:fontRef>
+        </p:style>
+        <p:txBody>
+          <a:bodyPr rtlCol="0" anchor="ctr"/>
+          <a:lstStyle/>
+          <a:p>
+            <a:pPr algn="ctr"/>
+            <a:r>
+              <a:rPr lang="de-DE" sz="1200" dirty="0"/>
+              <a:t>Abweichung  des Projekts</a:t>
+            </a:r>
+          </a:p>
+        </p:txBody>
+      </p:sp>
+      <p:sp>
+        <p:nvSpPr>
+          <p:cNvPr id="18" name="Ellipse 17"/>
+          <p:cNvSpPr/>
+          <p:nvPr/>
+        </p:nvSpPr>
+        <p:spPr>
+          <a:xfrm>
+            <a:off x="7720422" y="3743177"/>
+            <a:ext cx="951471" cy="803189"/>
+          </a:xfrm>
+          <a:prstGeom prst="ellipse">
+            <a:avLst/>
+          </a:prstGeom>
+        </p:spPr>
+        <p:style>
+          <a:lnRef idx="2">
+            <a:schemeClr val="accent6">
+              <a:shade val="50000"/>
+            </a:schemeClr>
+          </a:lnRef>
+          <a:fillRef idx="1">
+            <a:schemeClr val="accent6"/>
+          </a:fillRef>
+          <a:effectRef idx="0">
+            <a:schemeClr val="accent6"/>
+          </a:effectRef>
+          <a:fontRef idx="minor">
+            <a:schemeClr val="lt1"/>
+          </a:fontRef>
+        </p:style>
+        <p:txBody>
+          <a:bodyPr rtlCol="0" anchor="ctr"/>
+          <a:lstStyle/>
+          <a:p>
+            <a:pPr algn="ctr"/>
+            <a:r>
+              <a:rPr lang="de-DE" sz="1200" dirty="0"/>
+              <a:t>Neugewinnung Kunde</a:t>
+            </a:r>
+          </a:p>
+        </p:txBody>
+      </p:sp>
+    </p:spTree>
+    <p:extLst>
+      <p:ext uri="{BB962C8B-B14F-4D97-AF65-F5344CB8AC3E}">
+        <p14:creationId xmlns:p14="http://schemas.microsoft.com/office/powerpoint/2010/main" val="3261811099"/>
+      </p:ext>
+    </p:extLst>
+  </p:cSld>
+  <p:clrMapOvr>
+    <a:masterClrMapping/>
+  </p:clrMapOvr>
+</p:sld>
+</file>
+
+<file path=ppt/slides/slide2.xml><?xml version="1.0" encoding="utf-8"?>
+<p:sld xmlns:a="http://schemas.openxmlformats.org/drawingml/2006/main" xmlns:r="http://schemas.openxmlformats.org/officeDocument/2006/relationships" xmlns:p="http://schemas.openxmlformats.org/presentationml/2006/main">
+  <p:cSld>
+    <p:spTree>
+      <p:nvGrpSpPr>
+        <p:cNvPr id="1" name=""/>
+        <p:cNvGrpSpPr/>
+        <p:nvPr/>
+      </p:nvGrpSpPr>
+      <p:grpSpPr>
+        <a:xfrm>
+          <a:off x="0" y="0"/>
+          <a:ext cx="0" cy="0"/>
+          <a:chOff x="0" y="0"/>
+          <a:chExt cx="0" cy="0"/>
+        </a:xfrm>
+      </p:grpSpPr>
+      <p:sp>
+        <p:nvSpPr>
+          <p:cNvPr id="4" name="Titel 3"/>
+          <p:cNvSpPr>
+            <a:spLocks noGrp="1"/>
+          </p:cNvSpPr>
+          <p:nvPr>
+            <p:ph type="title"/>
+          </p:nvPr>
+        </p:nvSpPr>
+        <p:spPr>
+          <a:xfrm>
+            <a:off x="838200" y="142938"/>
+            <a:ext cx="10515600" cy="1325563"/>
+          </a:xfrm>
+        </p:spPr>
+        <p:txBody>
+          <a:bodyPr/>
+          <a:lstStyle/>
+          <a:p>
+            <a:r>
+              <a:rPr lang="de-DE" dirty="0"/>
+              <a:t>Chancen / Risiko Portfolio </a:t>
+            </a:r>
+            <a:br>
+              <a:rPr lang="de-DE" dirty="0"/>
+            </a:br>
+            <a:r>
+              <a:rPr lang="de-DE" dirty="0">
+                <a:sym typeface="Wingdings" panose="05000000000000000000" pitchFamily="2" charset="2"/>
+              </a:rPr>
+              <a:t> Sicht Auftraggeber</a:t>
+            </a:r>
+            <a:endParaRPr lang="de-DE" dirty="0"/>
+          </a:p>
+        </p:txBody>
+      </p:sp>
+      <p:graphicFrame>
+        <p:nvGraphicFramePr>
+          <p:cNvPr id="6" name="Inhaltsplatzhalter 5"/>
+          <p:cNvGraphicFramePr>
+            <a:graphicFrameLocks noGrp="1"/>
+          </p:cNvGraphicFramePr>
+          <p:nvPr>
+            <p:ph idx="1"/>
+            <p:extLst/>
+          </p:nvPr>
+        </p:nvGraphicFramePr>
+        <p:xfrm>
+          <a:off x="838200" y="1825622"/>
+          <a:ext cx="10515600" cy="4735815"/>
+        </p:xfrm>
+        <a:graphic>
+          <a:graphicData uri="http://schemas.openxmlformats.org/drawingml/2006/table">
+            <a:tbl>
+              <a:tblPr firstRow="1" bandRow="1">
+                <a:tableStyleId>{5C22544A-7EE6-4342-B048-85BDC9FD1C3A}</a:tableStyleId>
+              </a:tblPr>
+              <a:tblGrid>
+                <a:gridCol w="2103120">
+                  <a:extLst>
+                    <a:ext uri="{9D8B030D-6E8A-4147-A177-3AD203B41FA5}">
+                      <a16:colId xmlns:a16="http://schemas.microsoft.com/office/drawing/2014/main" val="8867888"/>
+                    </a:ext>
+                  </a:extLst>
+                </a:gridCol>
+                <a:gridCol w="2103120">
+                  <a:extLst>
+                    <a:ext uri="{9D8B030D-6E8A-4147-A177-3AD203B41FA5}">
+                      <a16:colId xmlns:a16="http://schemas.microsoft.com/office/drawing/2014/main" val="1260557612"/>
+                    </a:ext>
+                  </a:extLst>
+                </a:gridCol>
+                <a:gridCol w="2103120">
+                  <a:extLst>
+                    <a:ext uri="{9D8B030D-6E8A-4147-A177-3AD203B41FA5}">
+                      <a16:colId xmlns:a16="http://schemas.microsoft.com/office/drawing/2014/main" val="1768088843"/>
+                    </a:ext>
+                  </a:extLst>
+                </a:gridCol>
+                <a:gridCol w="2103120">
+                  <a:extLst>
+                    <a:ext uri="{9D8B030D-6E8A-4147-A177-3AD203B41FA5}">
+                      <a16:colId xmlns:a16="http://schemas.microsoft.com/office/drawing/2014/main" val="2592898585"/>
+                    </a:ext>
+                  </a:extLst>
+                </a:gridCol>
+                <a:gridCol w="2103120">
+                  <a:extLst>
+                    <a:ext uri="{9D8B030D-6E8A-4147-A177-3AD203B41FA5}">
+                      <a16:colId xmlns:a16="http://schemas.microsoft.com/office/drawing/2014/main" val="3051220917"/>
+                    </a:ext>
+                  </a:extLst>
+                </a:gridCol>
+              </a:tblGrid>
+              <a:tr h="947163">
+                <a:tc>
+                  <a:txBody>
+                    <a:bodyPr/>
+                    <a:lstStyle/>
+                    <a:p>
+                      <a:r>
+                        <a:rPr lang="de-DE" sz="1800" b="0" dirty="0">
+                          <a:solidFill>
+                            <a:sysClr val="windowText" lastClr="000000"/>
+                          </a:solidFill>
+                        </a:rPr>
+                        <a:t>hoch</a:t>
+                      </a:r>
+                    </a:p>
+                  </a:txBody>
+                  <a:tcPr>
+                    <a:lnL w="12700" cap="flat" cmpd="sng" algn="ctr">
+                      <a:noFill/>
+                      <a:prstDash val="solid"/>
+                      <a:round/>
+                      <a:headEnd type="none" w="med" len="med"/>
+                      <a:tailEnd type="none" w="med" len="med"/>
+                    </a:lnL>
+                    <a:lnR w="12700" cap="flat" cmpd="sng" algn="ctr">
+                      <a:solidFill>
+                        <a:schemeClr val="tx1"/>
+                      </a:solidFill>
+                      <a:prstDash val="solid"/>
+                      <a:round/>
+                      <a:headEnd type="none" w="med" len="med"/>
+                      <a:tailEnd type="none" w="med" len="med"/>
+                    </a:lnR>
+                    <a:lnT w="12700" cap="flat" cmpd="sng" algn="ctr">
+                      <a:noFill/>
+                      <a:prstDash val="solid"/>
+                      <a:round/>
+                      <a:headEnd type="none" w="med" len="med"/>
+                      <a:tailEnd type="none" w="med" len="med"/>
+                    </a:lnT>
+                    <a:lnB w="12700" cap="flat" cmpd="sng" algn="ctr">
+                      <a:noFill/>
+                      <a:prstDash val="solid"/>
+                      <a:round/>
+                      <a:headEnd type="none" w="med" len="med"/>
+                      <a:tailEnd type="none" w="med" len="med"/>
+                    </a:lnB>
+                    <a:lnTlToBr w="12700" cmpd="sng">
+                      <a:noFill/>
+                      <a:prstDash val="solid"/>
+                    </a:lnTlToBr>
+                    <a:lnBlToTr w="12700" cmpd="sng">
+                      <a:noFill/>
+                      <a:prstDash val="solid"/>
+                    </a:lnBlToTr>
+                    <a:solidFill>
+                      <a:schemeClr val="bg1"/>
+                    </a:solidFill>
+                  </a:tcPr>
+                </a:tc>
+                <a:tc>
+                  <a:txBody>
+                    <a:bodyPr/>
+                    <a:lstStyle/>
+                    <a:p>
+                      <a:endParaRPr lang="de-DE" sz="1800" b="0" dirty="0"/>
+                    </a:p>
+                  </a:txBody>
+                  <a:tcPr>
+                    <a:lnL w="12700" cap="flat" cmpd="sng" algn="ctr">
+                      <a:solidFill>
+                        <a:schemeClr val="tx1"/>
+                      </a:solidFill>
+                      <a:prstDash val="solid"/>
+                      <a:round/>
+                      <a:headEnd type="none" w="med" len="med"/>
+                      <a:tailEnd type="none" w="med" len="med"/>
+                    </a:lnL>
+                    <a:lnR w="12700" cap="flat" cmpd="sng" algn="ctr">
+                      <a:solidFill>
+                        <a:schemeClr val="tx1"/>
+                      </a:solidFill>
+                      <a:prstDash val="solid"/>
+                      <a:round/>
+                      <a:headEnd type="none" w="med" len="med"/>
+                      <a:tailEnd type="none" w="med" len="med"/>
+                    </a:lnR>
+                    <a:lnT w="12700" cap="flat" cmpd="sng" algn="ctr">
+                      <a:solidFill>
+                        <a:schemeClr val="tx1"/>
+                      </a:solidFill>
+                      <a:prstDash val="solid"/>
+                      <a:round/>
+                      <a:headEnd type="none" w="med" len="med"/>
+                      <a:tailEnd type="none" w="med" len="med"/>
+                    </a:lnT>
+                    <a:lnB w="12700" cap="flat" cmpd="sng" algn="ctr">
+                      <a:solidFill>
+                        <a:schemeClr val="tx1"/>
+                      </a:solidFill>
+                      <a:prstDash val="solid"/>
+                      <a:round/>
+                      <a:headEnd type="none" w="med" len="med"/>
+                      <a:tailEnd type="none" w="med" len="med"/>
+                    </a:lnB>
+                    <a:solidFill>
+                      <a:schemeClr val="bg1"/>
+                    </a:solidFill>
+                  </a:tcPr>
+                </a:tc>
+                <a:tc>
+                  <a:txBody>
+                    <a:bodyPr/>
+                    <a:lstStyle/>
+                    <a:p>
+                      <a:endParaRPr lang="de-DE" sz="1800" b="0" dirty="0"/>
+                    </a:p>
+                  </a:txBody>
+                  <a:tcPr>
+                    <a:lnL w="12700" cap="flat" cmpd="sng" algn="ctr">
+                      <a:solidFill>
+                        <a:schemeClr val="tx1"/>
+                      </a:solidFill>
+                      <a:prstDash val="solid"/>
+                      <a:round/>
+                      <a:headEnd type="none" w="med" len="med"/>
+                      <a:tailEnd type="none" w="med" len="med"/>
+                    </a:lnL>
+                    <a:lnR w="12700" cap="flat" cmpd="sng" algn="ctr">
+                      <a:solidFill>
+                        <a:schemeClr val="tx1"/>
+                      </a:solidFill>
+                      <a:prstDash val="solid"/>
+                      <a:round/>
+                      <a:headEnd type="none" w="med" len="med"/>
+                      <a:tailEnd type="none" w="med" len="med"/>
+                    </a:lnR>
+                    <a:lnT w="12700" cap="flat" cmpd="sng" algn="ctr">
+                      <a:solidFill>
+                        <a:schemeClr val="tx1"/>
+                      </a:solidFill>
+                      <a:prstDash val="solid"/>
+                      <a:round/>
+                      <a:headEnd type="none" w="med" len="med"/>
+                      <a:tailEnd type="none" w="med" len="med"/>
+                    </a:lnT>
+                    <a:lnB w="12700" cap="flat" cmpd="sng" algn="ctr">
+                      <a:solidFill>
+                        <a:schemeClr val="tx1"/>
+                      </a:solidFill>
+                      <a:prstDash val="solid"/>
+                      <a:round/>
+                      <a:headEnd type="none" w="med" len="med"/>
+                      <a:tailEnd type="none" w="med" len="med"/>
+                    </a:lnB>
+                    <a:solidFill>
+                      <a:schemeClr val="bg1"/>
+                    </a:solidFill>
+                  </a:tcPr>
+                </a:tc>
+                <a:tc>
+                  <a:txBody>
+                    <a:bodyPr/>
+                    <a:lstStyle/>
+                    <a:p>
+                      <a:endParaRPr lang="de-DE" sz="1800" b="0"/>
+                    </a:p>
+                  </a:txBody>
+                  <a:tcPr>
+                    <a:lnL w="12700" cap="flat" cmpd="sng" algn="ctr">
+                      <a:solidFill>
+                        <a:schemeClr val="tx1"/>
+                      </a:solidFill>
+                      <a:prstDash val="solid"/>
+                      <a:round/>
+                      <a:headEnd type="none" w="med" len="med"/>
+                      <a:tailEnd type="none" w="med" len="med"/>
+                    </a:lnL>
+                    <a:lnR w="12700" cap="flat" cmpd="sng" algn="ctr">
+                      <a:solidFill>
+                        <a:schemeClr val="tx1"/>
+                      </a:solidFill>
+                      <a:prstDash val="solid"/>
+                      <a:round/>
+                      <a:headEnd type="none" w="med" len="med"/>
+                      <a:tailEnd type="none" w="med" len="med"/>
+                    </a:lnR>
+                    <a:lnT w="12700" cap="flat" cmpd="sng" algn="ctr">
+                      <a:solidFill>
+                        <a:schemeClr val="tx1"/>
+                      </a:solidFill>
+                      <a:prstDash val="solid"/>
+                      <a:round/>
+                      <a:headEnd type="none" w="med" len="med"/>
+                      <a:tailEnd type="none" w="med" len="med"/>
+                    </a:lnT>
+                    <a:lnB w="12700" cap="flat" cmpd="sng" algn="ctr">
+                      <a:solidFill>
+                        <a:schemeClr val="tx1"/>
+                      </a:solidFill>
+                      <a:prstDash val="solid"/>
+                      <a:round/>
+                      <a:headEnd type="none" w="med" len="med"/>
+                      <a:tailEnd type="none" w="med" len="med"/>
+                    </a:lnB>
+                    <a:solidFill>
+                      <a:schemeClr val="bg1"/>
+                    </a:solidFill>
+                  </a:tcPr>
+                </a:tc>
+                <a:tc>
+                  <a:txBody>
+                    <a:bodyPr/>
+                    <a:lstStyle/>
+                    <a:p>
+                      <a:endParaRPr lang="de-DE" sz="1800" b="0"/>
+                    </a:p>
+                  </a:txBody>
+                  <a:tcPr>
+                    <a:lnL w="12700" cap="flat" cmpd="sng" algn="ctr">
+                      <a:solidFill>
+                        <a:schemeClr val="tx1"/>
+                      </a:solidFill>
+                      <a:prstDash val="solid"/>
+                      <a:round/>
+                      <a:headEnd type="none" w="med" len="med"/>
+                      <a:tailEnd type="none" w="med" len="med"/>
+                    </a:lnL>
+                    <a:lnR w="12700" cap="flat" cmpd="sng" algn="ctr">
+                      <a:solidFill>
+                        <a:schemeClr val="tx1"/>
+                      </a:solidFill>
+                      <a:prstDash val="solid"/>
+                      <a:round/>
+                      <a:headEnd type="none" w="med" len="med"/>
+                      <a:tailEnd type="none" w="med" len="med"/>
+                    </a:lnR>
+                    <a:lnT w="12700" cap="flat" cmpd="sng" algn="ctr">
+                      <a:solidFill>
+                        <a:schemeClr val="tx1"/>
+                      </a:solidFill>
+                      <a:prstDash val="solid"/>
+                      <a:round/>
+                      <a:headEnd type="none" w="med" len="med"/>
+                      <a:tailEnd type="none" w="med" len="med"/>
+                    </a:lnT>
+                    <a:lnB w="12700" cap="flat" cmpd="sng" algn="ctr">
+                      <a:solidFill>
+                        <a:schemeClr val="tx1"/>
+                      </a:solidFill>
+                      <a:prstDash val="solid"/>
+                      <a:round/>
+                      <a:headEnd type="none" w="med" len="med"/>
+                      <a:tailEnd type="none" w="med" len="med"/>
+                    </a:lnB>
+                    <a:solidFill>
+                      <a:schemeClr val="bg1"/>
+                    </a:solidFill>
+                  </a:tcPr>
+                </a:tc>
+                <a:extLst>
+                  <a:ext uri="{0D108BD9-81ED-4DB2-BD59-A6C34878D82A}">
+                    <a16:rowId xmlns:a16="http://schemas.microsoft.com/office/drawing/2014/main" val="3144234582"/>
+                  </a:ext>
+                </a:extLst>
+              </a:tr>
+              <a:tr h="947163">
+                <a:tc>
+                  <a:txBody>
+                    <a:bodyPr/>
+                    <a:lstStyle/>
+                    <a:p>
+                      <a:r>
+                        <a:rPr lang="de-DE" sz="1800" b="0" dirty="0"/>
+                        <a:t>eher</a:t>
+                      </a:r>
+                      <a:r>
+                        <a:rPr lang="de-DE" sz="1800" b="0" baseline="0" dirty="0"/>
+                        <a:t> hoch</a:t>
+                      </a:r>
+                      <a:endParaRPr lang="de-DE" sz="1800" b="0" dirty="0"/>
+                    </a:p>
+                  </a:txBody>
+                  <a:tcPr>
+                    <a:lnL w="12700" cap="flat" cmpd="sng" algn="ctr">
+                      <a:noFill/>
+                      <a:prstDash val="solid"/>
+                      <a:round/>
+                      <a:headEnd type="none" w="med" len="med"/>
+                      <a:tailEnd type="none" w="med" len="med"/>
+                    </a:lnL>
+                    <a:lnR w="12700" cap="flat" cmpd="sng" algn="ctr">
+                      <a:solidFill>
+                        <a:schemeClr val="tx1"/>
+                      </a:solidFill>
+                      <a:prstDash val="solid"/>
+                      <a:round/>
+                      <a:headEnd type="none" w="med" len="med"/>
+                      <a:tailEnd type="none" w="med" len="med"/>
+                    </a:lnR>
+                    <a:lnT w="12700" cap="flat" cmpd="sng" algn="ctr">
+                      <a:noFill/>
+                      <a:prstDash val="solid"/>
+                      <a:round/>
+                      <a:headEnd type="none" w="med" len="med"/>
+                      <a:tailEnd type="none" w="med" len="med"/>
+                    </a:lnT>
+                    <a:lnB w="12700" cap="flat" cmpd="sng" algn="ctr">
+                      <a:noFill/>
+                      <a:prstDash val="solid"/>
+                      <a:round/>
+                      <a:headEnd type="none" w="med" len="med"/>
+                      <a:tailEnd type="none" w="med" len="med"/>
+                    </a:lnB>
+                    <a:lnTlToBr w="12700" cmpd="sng">
+                      <a:noFill/>
+                      <a:prstDash val="solid"/>
+                    </a:lnTlToBr>
+                    <a:lnBlToTr w="12700" cmpd="sng">
+                      <a:noFill/>
+                      <a:prstDash val="solid"/>
+                    </a:lnBlToTr>
+                    <a:solidFill>
+                      <a:schemeClr val="bg1"/>
+                    </a:solidFill>
+                  </a:tcPr>
+                </a:tc>
+                <a:tc>
+                  <a:txBody>
+                    <a:bodyPr/>
+                    <a:lstStyle/>
+                    <a:p>
+                      <a:endParaRPr lang="de-DE" sz="1800" b="0" dirty="0"/>
+                    </a:p>
+                  </a:txBody>
+                  <a:tcPr>
+                    <a:lnL w="12700" cap="flat" cmpd="sng" algn="ctr">
+                      <a:solidFill>
+                        <a:schemeClr val="tx1"/>
+                      </a:solidFill>
+                      <a:prstDash val="solid"/>
+                      <a:round/>
+                      <a:headEnd type="none" w="med" len="med"/>
+                      <a:tailEnd type="none" w="med" len="med"/>
+                    </a:lnL>
+                    <a:lnR w="12700" cap="flat" cmpd="sng" algn="ctr">
+                      <a:solidFill>
+                        <a:schemeClr val="tx1"/>
+                      </a:solidFill>
+                      <a:prstDash val="solid"/>
+                      <a:round/>
+                      <a:headEnd type="none" w="med" len="med"/>
+                      <a:tailEnd type="none" w="med" len="med"/>
+                    </a:lnR>
+                    <a:lnT w="12700" cap="flat" cmpd="sng" algn="ctr">
+                      <a:solidFill>
+                        <a:schemeClr val="tx1"/>
+                      </a:solidFill>
+                      <a:prstDash val="solid"/>
+                      <a:round/>
+                      <a:headEnd type="none" w="med" len="med"/>
+                      <a:tailEnd type="none" w="med" len="med"/>
+                    </a:lnT>
+                    <a:lnB w="12700" cap="flat" cmpd="sng" algn="ctr">
+                      <a:solidFill>
+                        <a:schemeClr val="tx1"/>
+                      </a:solidFill>
+                      <a:prstDash val="solid"/>
+                      <a:round/>
+                      <a:headEnd type="none" w="med" len="med"/>
+                      <a:tailEnd type="none" w="med" len="med"/>
+                    </a:lnB>
+                    <a:solidFill>
+                      <a:schemeClr val="bg1"/>
+                    </a:solidFill>
+                  </a:tcPr>
+                </a:tc>
+                <a:tc>
+                  <a:txBody>
+                    <a:bodyPr/>
+                    <a:lstStyle/>
+                    <a:p>
+                      <a:endParaRPr lang="de-DE" sz="1800" b="0" dirty="0"/>
+                    </a:p>
+                  </a:txBody>
+                  <a:tcPr>
+                    <a:lnL w="12700" cap="flat" cmpd="sng" algn="ctr">
+                      <a:solidFill>
+                        <a:schemeClr val="tx1"/>
+                      </a:solidFill>
+                      <a:prstDash val="solid"/>
+                      <a:round/>
+                      <a:headEnd type="none" w="med" len="med"/>
+                      <a:tailEnd type="none" w="med" len="med"/>
+                    </a:lnL>
+                    <a:lnR w="12700" cap="flat" cmpd="sng" algn="ctr">
+                      <a:solidFill>
+                        <a:schemeClr val="tx1"/>
+                      </a:solidFill>
+                      <a:prstDash val="solid"/>
+                      <a:round/>
+                      <a:headEnd type="none" w="med" len="med"/>
+                      <a:tailEnd type="none" w="med" len="med"/>
+                    </a:lnR>
+                    <a:lnT w="12700" cap="flat" cmpd="sng" algn="ctr">
+                      <a:solidFill>
+                        <a:schemeClr val="tx1"/>
+                      </a:solidFill>
+                      <a:prstDash val="solid"/>
+                      <a:round/>
+                      <a:headEnd type="none" w="med" len="med"/>
+                      <a:tailEnd type="none" w="med" len="med"/>
+                    </a:lnT>
+                    <a:lnB w="12700" cap="flat" cmpd="sng" algn="ctr">
+                      <a:solidFill>
+                        <a:schemeClr val="tx1"/>
+                      </a:solidFill>
+                      <a:prstDash val="solid"/>
+                      <a:round/>
+                      <a:headEnd type="none" w="med" len="med"/>
+                      <a:tailEnd type="none" w="med" len="med"/>
+                    </a:lnB>
+                    <a:solidFill>
+                      <a:schemeClr val="bg1"/>
+                    </a:solidFill>
+                  </a:tcPr>
+                </a:tc>
+                <a:tc>
+                  <a:txBody>
+                    <a:bodyPr/>
+                    <a:lstStyle/>
+                    <a:p>
+                      <a:endParaRPr lang="de-DE" sz="1800" b="0"/>
+                    </a:p>
+                  </a:txBody>
+                  <a:tcPr>
+                    <a:lnL w="12700" cap="flat" cmpd="sng" algn="ctr">
+                      <a:solidFill>
+                        <a:schemeClr val="tx1"/>
+                      </a:solidFill>
+                      <a:prstDash val="solid"/>
+                      <a:round/>
+                      <a:headEnd type="none" w="med" len="med"/>
+                      <a:tailEnd type="none" w="med" len="med"/>
+                    </a:lnL>
+                    <a:lnR w="12700" cap="flat" cmpd="sng" algn="ctr">
+                      <a:solidFill>
+                        <a:schemeClr val="tx1"/>
+                      </a:solidFill>
+                      <a:prstDash val="solid"/>
+                      <a:round/>
+                      <a:headEnd type="none" w="med" len="med"/>
+                      <a:tailEnd type="none" w="med" len="med"/>
+                    </a:lnR>
+                    <a:lnT w="12700" cap="flat" cmpd="sng" algn="ctr">
+                      <a:solidFill>
+                        <a:schemeClr val="tx1"/>
+                      </a:solidFill>
+                      <a:prstDash val="solid"/>
+                      <a:round/>
+                      <a:headEnd type="none" w="med" len="med"/>
+                      <a:tailEnd type="none" w="med" len="med"/>
+                    </a:lnT>
+                    <a:lnB w="12700" cap="flat" cmpd="sng" algn="ctr">
+                      <a:solidFill>
+                        <a:schemeClr val="tx1"/>
+                      </a:solidFill>
+                      <a:prstDash val="solid"/>
+                      <a:round/>
+                      <a:headEnd type="none" w="med" len="med"/>
+                      <a:tailEnd type="none" w="med" len="med"/>
+                    </a:lnB>
+                    <a:solidFill>
+                      <a:schemeClr val="bg1"/>
+                    </a:solidFill>
+                  </a:tcPr>
+                </a:tc>
+                <a:tc>
+                  <a:txBody>
+                    <a:bodyPr/>
+                    <a:lstStyle/>
+                    <a:p>
+                      <a:endParaRPr lang="de-DE" sz="1800" b="0"/>
+                    </a:p>
+                  </a:txBody>
+                  <a:tcPr>
+                    <a:lnL w="12700" cap="flat" cmpd="sng" algn="ctr">
+                      <a:solidFill>
+                        <a:schemeClr val="tx1"/>
+                      </a:solidFill>
+                      <a:prstDash val="solid"/>
+                      <a:round/>
+                      <a:headEnd type="none" w="med" len="med"/>
+                      <a:tailEnd type="none" w="med" len="med"/>
+                    </a:lnL>
+                    <a:lnR w="12700" cap="flat" cmpd="sng" algn="ctr">
+                      <a:solidFill>
+                        <a:schemeClr val="tx1"/>
+                      </a:solidFill>
+                      <a:prstDash val="solid"/>
+                      <a:round/>
+                      <a:headEnd type="none" w="med" len="med"/>
+                      <a:tailEnd type="none" w="med" len="med"/>
+                    </a:lnR>
+                    <a:lnT w="12700" cap="flat" cmpd="sng" algn="ctr">
+                      <a:solidFill>
+                        <a:schemeClr val="tx1"/>
+                      </a:solidFill>
+                      <a:prstDash val="solid"/>
+                      <a:round/>
+                      <a:headEnd type="none" w="med" len="med"/>
+                      <a:tailEnd type="none" w="med" len="med"/>
+                    </a:lnT>
+                    <a:lnB w="12700" cap="flat" cmpd="sng" algn="ctr">
+                      <a:solidFill>
+                        <a:schemeClr val="tx1"/>
+                      </a:solidFill>
+                      <a:prstDash val="solid"/>
+                      <a:round/>
+                      <a:headEnd type="none" w="med" len="med"/>
+                      <a:tailEnd type="none" w="med" len="med"/>
+                    </a:lnB>
+                    <a:solidFill>
+                      <a:schemeClr val="bg1"/>
+                    </a:solidFill>
+                  </a:tcPr>
+                </a:tc>
+                <a:extLst>
+                  <a:ext uri="{0D108BD9-81ED-4DB2-BD59-A6C34878D82A}">
+                    <a16:rowId xmlns:a16="http://schemas.microsoft.com/office/drawing/2014/main" val="1099345563"/>
+                  </a:ext>
+                </a:extLst>
+              </a:tr>
+              <a:tr h="947163">
+                <a:tc>
+                  <a:txBody>
+                    <a:bodyPr/>
+                    <a:lstStyle/>
+                    <a:p>
+                      <a:r>
+                        <a:rPr lang="de-DE" sz="1800" b="0" dirty="0"/>
+                        <a:t>eher </a:t>
+                      </a:r>
+                      <a:r>
+                        <a:rPr lang="de-DE" sz="1800" b="0" dirty="0" err="1"/>
+                        <a:t>niedirg</a:t>
+                      </a:r>
+                      <a:endParaRPr lang="de-DE" sz="1800" b="0" dirty="0"/>
+                    </a:p>
+                  </a:txBody>
+                  <a:tcPr>
+                    <a:lnL w="12700" cap="flat" cmpd="sng" algn="ctr">
+                      <a:noFill/>
+                      <a:prstDash val="solid"/>
+                      <a:round/>
+                      <a:headEnd type="none" w="med" len="med"/>
+                      <a:tailEnd type="none" w="med" len="med"/>
+                    </a:lnL>
+                    <a:lnR w="12700" cap="flat" cmpd="sng" algn="ctr">
+                      <a:solidFill>
+                        <a:schemeClr val="tx1"/>
+                      </a:solidFill>
+                      <a:prstDash val="solid"/>
+                      <a:round/>
+                      <a:headEnd type="none" w="med" len="med"/>
+                      <a:tailEnd type="none" w="med" len="med"/>
+                    </a:lnR>
+                    <a:lnT w="12700" cap="flat" cmpd="sng" algn="ctr">
+                      <a:noFill/>
+                      <a:prstDash val="solid"/>
+                      <a:round/>
+                      <a:headEnd type="none" w="med" len="med"/>
+                      <a:tailEnd type="none" w="med" len="med"/>
+                    </a:lnT>
+                    <a:lnB w="12700" cap="flat" cmpd="sng" algn="ctr">
+                      <a:noFill/>
+                      <a:prstDash val="solid"/>
+                      <a:round/>
+                      <a:headEnd type="none" w="med" len="med"/>
+                      <a:tailEnd type="none" w="med" len="med"/>
+                    </a:lnB>
+                    <a:lnTlToBr w="12700" cmpd="sng">
+                      <a:noFill/>
+                      <a:prstDash val="solid"/>
+                    </a:lnTlToBr>
+                    <a:lnBlToTr w="12700" cmpd="sng">
+                      <a:noFill/>
+                      <a:prstDash val="solid"/>
+                    </a:lnBlToTr>
+                    <a:solidFill>
+                      <a:schemeClr val="bg1"/>
+                    </a:solidFill>
+                  </a:tcPr>
+                </a:tc>
+                <a:tc>
+                  <a:txBody>
+                    <a:bodyPr/>
+                    <a:lstStyle/>
+                    <a:p>
+                      <a:endParaRPr lang="de-DE" sz="1800" b="0" dirty="0"/>
+                    </a:p>
+                  </a:txBody>
+                  <a:tcPr>
+                    <a:lnL w="12700" cap="flat" cmpd="sng" algn="ctr">
+                      <a:solidFill>
+                        <a:schemeClr val="tx1"/>
+                      </a:solidFill>
+                      <a:prstDash val="solid"/>
+                      <a:round/>
+                      <a:headEnd type="none" w="med" len="med"/>
+                      <a:tailEnd type="none" w="med" len="med"/>
+                    </a:lnL>
+                    <a:lnR w="12700" cap="flat" cmpd="sng" algn="ctr">
+                      <a:solidFill>
+                        <a:schemeClr val="tx1"/>
+                      </a:solidFill>
+                      <a:prstDash val="solid"/>
+                      <a:round/>
+                      <a:headEnd type="none" w="med" len="med"/>
+                      <a:tailEnd type="none" w="med" len="med"/>
+                    </a:lnR>
+                    <a:lnT w="12700" cap="flat" cmpd="sng" algn="ctr">
+                      <a:solidFill>
+                        <a:schemeClr val="tx1"/>
+                      </a:solidFill>
+                      <a:prstDash val="solid"/>
+                      <a:round/>
+                      <a:headEnd type="none" w="med" len="med"/>
+                      <a:tailEnd type="none" w="med" len="med"/>
+                    </a:lnT>
+                    <a:lnB w="12700" cap="flat" cmpd="sng" algn="ctr">
+                      <a:solidFill>
+                        <a:schemeClr val="tx1"/>
+                      </a:solidFill>
+                      <a:prstDash val="solid"/>
+                      <a:round/>
+                      <a:headEnd type="none" w="med" len="med"/>
+                      <a:tailEnd type="none" w="med" len="med"/>
+                    </a:lnB>
+                    <a:solidFill>
+                      <a:schemeClr val="bg1"/>
+                    </a:solidFill>
+                  </a:tcPr>
+                </a:tc>
+                <a:tc>
+                  <a:txBody>
+                    <a:bodyPr/>
+                    <a:lstStyle/>
+                    <a:p>
+                      <a:endParaRPr lang="de-DE" sz="1800" b="0" dirty="0"/>
+                    </a:p>
+                  </a:txBody>
+                  <a:tcPr>
+                    <a:lnL w="12700" cap="flat" cmpd="sng" algn="ctr">
+                      <a:solidFill>
+                        <a:schemeClr val="tx1"/>
+                      </a:solidFill>
+                      <a:prstDash val="solid"/>
+                      <a:round/>
+                      <a:headEnd type="none" w="med" len="med"/>
+                      <a:tailEnd type="none" w="med" len="med"/>
+                    </a:lnL>
+                    <a:lnR w="12700" cap="flat" cmpd="sng" algn="ctr">
+                      <a:solidFill>
+                        <a:schemeClr val="tx1"/>
+                      </a:solidFill>
+                      <a:prstDash val="solid"/>
+                      <a:round/>
+                      <a:headEnd type="none" w="med" len="med"/>
+                      <a:tailEnd type="none" w="med" len="med"/>
+                    </a:lnR>
+                    <a:lnT w="12700" cap="flat" cmpd="sng" algn="ctr">
+                      <a:solidFill>
+                        <a:schemeClr val="tx1"/>
+                      </a:solidFill>
+                      <a:prstDash val="solid"/>
+                      <a:round/>
+                      <a:headEnd type="none" w="med" len="med"/>
+                      <a:tailEnd type="none" w="med" len="med"/>
+                    </a:lnT>
+                    <a:lnB w="12700" cap="flat" cmpd="sng" algn="ctr">
+                      <a:solidFill>
+                        <a:schemeClr val="tx1"/>
+                      </a:solidFill>
+                      <a:prstDash val="solid"/>
+                      <a:round/>
+                      <a:headEnd type="none" w="med" len="med"/>
+                      <a:tailEnd type="none" w="med" len="med"/>
+                    </a:lnB>
+                    <a:solidFill>
+                      <a:schemeClr val="bg1"/>
+                    </a:solidFill>
+                  </a:tcPr>
+                </a:tc>
+                <a:tc>
+                  <a:txBody>
+                    <a:bodyPr/>
+                    <a:lstStyle/>
+                    <a:p>
+                      <a:endParaRPr lang="de-DE" sz="1800" b="0"/>
+                    </a:p>
+                  </a:txBody>
+                  <a:tcPr>
+                    <a:lnL w="12700" cap="flat" cmpd="sng" algn="ctr">
+                      <a:solidFill>
+                        <a:schemeClr val="tx1"/>
+                      </a:solidFill>
+                      <a:prstDash val="solid"/>
+                      <a:round/>
+                      <a:headEnd type="none" w="med" len="med"/>
+                      <a:tailEnd type="none" w="med" len="med"/>
+                    </a:lnL>
+                    <a:lnR w="12700" cap="flat" cmpd="sng" algn="ctr">
+                      <a:solidFill>
+                        <a:schemeClr val="tx1"/>
+                      </a:solidFill>
+                      <a:prstDash val="solid"/>
+                      <a:round/>
+                      <a:headEnd type="none" w="med" len="med"/>
+                      <a:tailEnd type="none" w="med" len="med"/>
+                    </a:lnR>
+                    <a:lnT w="12700" cap="flat" cmpd="sng" algn="ctr">
+                      <a:solidFill>
+                        <a:schemeClr val="tx1"/>
+                      </a:solidFill>
+                      <a:prstDash val="solid"/>
+                      <a:round/>
+                      <a:headEnd type="none" w="med" len="med"/>
+                      <a:tailEnd type="none" w="med" len="med"/>
+                    </a:lnT>
+                    <a:lnB w="12700" cap="flat" cmpd="sng" algn="ctr">
+                      <a:solidFill>
+                        <a:schemeClr val="tx1"/>
+                      </a:solidFill>
+                      <a:prstDash val="solid"/>
+                      <a:round/>
+                      <a:headEnd type="none" w="med" len="med"/>
+                      <a:tailEnd type="none" w="med" len="med"/>
+                    </a:lnB>
+                    <a:solidFill>
+                      <a:schemeClr val="bg1"/>
+                    </a:solidFill>
+                  </a:tcPr>
+                </a:tc>
+                <a:tc>
+                  <a:txBody>
+                    <a:bodyPr/>
+                    <a:lstStyle/>
+                    <a:p>
+                      <a:endParaRPr lang="de-DE" sz="1800" b="0"/>
+                    </a:p>
+                  </a:txBody>
+                  <a:tcPr>
+                    <a:lnL w="12700" cap="flat" cmpd="sng" algn="ctr">
+                      <a:solidFill>
+                        <a:schemeClr val="tx1"/>
+                      </a:solidFill>
+                      <a:prstDash val="solid"/>
+                      <a:round/>
+                      <a:headEnd type="none" w="med" len="med"/>
+                      <a:tailEnd type="none" w="med" len="med"/>
+                    </a:lnL>
+                    <a:lnR w="12700" cap="flat" cmpd="sng" algn="ctr">
+                      <a:solidFill>
+                        <a:schemeClr val="tx1"/>
+                      </a:solidFill>
+                      <a:prstDash val="solid"/>
+                      <a:round/>
+                      <a:headEnd type="none" w="med" len="med"/>
+                      <a:tailEnd type="none" w="med" len="med"/>
+                    </a:lnR>
+                    <a:lnT w="12700" cap="flat" cmpd="sng" algn="ctr">
+                      <a:solidFill>
+                        <a:schemeClr val="tx1"/>
+                      </a:solidFill>
+                      <a:prstDash val="solid"/>
+                      <a:round/>
+                      <a:headEnd type="none" w="med" len="med"/>
+                      <a:tailEnd type="none" w="med" len="med"/>
+                    </a:lnT>
+                    <a:lnB w="12700" cap="flat" cmpd="sng" algn="ctr">
+                      <a:solidFill>
+                        <a:schemeClr val="tx1"/>
+                      </a:solidFill>
+                      <a:prstDash val="solid"/>
+                      <a:round/>
+                      <a:headEnd type="none" w="med" len="med"/>
+                      <a:tailEnd type="none" w="med" len="med"/>
+                    </a:lnB>
+                    <a:solidFill>
+                      <a:schemeClr val="bg1"/>
+                    </a:solidFill>
+                  </a:tcPr>
+                </a:tc>
+                <a:extLst>
+                  <a:ext uri="{0D108BD9-81ED-4DB2-BD59-A6C34878D82A}">
+                    <a16:rowId xmlns:a16="http://schemas.microsoft.com/office/drawing/2014/main" val="3460220147"/>
+                  </a:ext>
+                </a:extLst>
+              </a:tr>
+              <a:tr h="947163">
+                <a:tc>
+                  <a:txBody>
+                    <a:bodyPr/>
+                    <a:lstStyle/>
+                    <a:p>
+                      <a:r>
+                        <a:rPr lang="de-DE" sz="1800" b="0" dirty="0"/>
+                        <a:t>niedrig</a:t>
+                      </a:r>
+                    </a:p>
+                  </a:txBody>
+                  <a:tcPr>
+                    <a:lnL w="12700" cap="flat" cmpd="sng" algn="ctr">
+                      <a:noFill/>
+                      <a:prstDash val="solid"/>
+                      <a:round/>
+                      <a:headEnd type="none" w="med" len="med"/>
+                      <a:tailEnd type="none" w="med" len="med"/>
+                    </a:lnL>
+                    <a:lnR w="12700" cap="flat" cmpd="sng" algn="ctr">
+                      <a:solidFill>
+                        <a:schemeClr val="tx1"/>
+                      </a:solidFill>
+                      <a:prstDash val="solid"/>
+                      <a:round/>
+                      <a:headEnd type="none" w="med" len="med"/>
+                      <a:tailEnd type="none" w="med" len="med"/>
+                    </a:lnR>
+                    <a:lnT w="12700" cap="flat" cmpd="sng" algn="ctr">
+                      <a:noFill/>
+                      <a:prstDash val="solid"/>
+                      <a:round/>
+                      <a:headEnd type="none" w="med" len="med"/>
+                      <a:tailEnd type="none" w="med" len="med"/>
+                    </a:lnT>
+                    <a:lnB w="12700" cap="flat" cmpd="sng" algn="ctr">
+                      <a:noFill/>
+                      <a:prstDash val="solid"/>
+                      <a:round/>
+                      <a:headEnd type="none" w="med" len="med"/>
+                      <a:tailEnd type="none" w="med" len="med"/>
+                    </a:lnB>
+                    <a:lnTlToBr w="12700" cmpd="sng">
+                      <a:noFill/>
+                      <a:prstDash val="solid"/>
+                    </a:lnTlToBr>
+                    <a:lnBlToTr w="12700" cmpd="sng">
+                      <a:noFill/>
+                      <a:prstDash val="solid"/>
+                    </a:lnBlToTr>
+                    <a:solidFill>
+                      <a:schemeClr val="bg1"/>
+                    </a:solidFill>
+                  </a:tcPr>
+                </a:tc>
+                <a:tc>
+                  <a:txBody>
+                    <a:bodyPr/>
+                    <a:lstStyle/>
+                    <a:p>
+                      <a:endParaRPr lang="de-DE" sz="1800" b="0" dirty="0"/>
+                    </a:p>
+                  </a:txBody>
+                  <a:tcPr>
+                    <a:lnL w="12700" cap="flat" cmpd="sng" algn="ctr">
+                      <a:solidFill>
+                        <a:schemeClr val="tx1"/>
+                      </a:solidFill>
+                      <a:prstDash val="solid"/>
+                      <a:round/>
+                      <a:headEnd type="none" w="med" len="med"/>
+                      <a:tailEnd type="none" w="med" len="med"/>
+                    </a:lnL>
+                    <a:lnR w="12700" cap="flat" cmpd="sng" algn="ctr">
+                      <a:solidFill>
+                        <a:schemeClr val="tx1"/>
+                      </a:solidFill>
+                      <a:prstDash val="solid"/>
+                      <a:round/>
+                      <a:headEnd type="none" w="med" len="med"/>
+                      <a:tailEnd type="none" w="med" len="med"/>
+                    </a:lnR>
+                    <a:lnT w="12700" cap="flat" cmpd="sng" algn="ctr">
+                      <a:solidFill>
+                        <a:schemeClr val="tx1"/>
+                      </a:solidFill>
+                      <a:prstDash val="solid"/>
+                      <a:round/>
+                      <a:headEnd type="none" w="med" len="med"/>
+                      <a:tailEnd type="none" w="med" len="med"/>
+                    </a:lnT>
+                    <a:lnB w="12700" cap="flat" cmpd="sng" algn="ctr">
+                      <a:solidFill>
+                        <a:schemeClr val="tx1"/>
+                      </a:solidFill>
+                      <a:prstDash val="solid"/>
+                      <a:round/>
+                      <a:headEnd type="none" w="med" len="med"/>
+                      <a:tailEnd type="none" w="med" len="med"/>
+                    </a:lnB>
+                    <a:solidFill>
+                      <a:schemeClr val="bg1"/>
+                    </a:solidFill>
+                  </a:tcPr>
+                </a:tc>
+                <a:tc>
+                  <a:txBody>
+                    <a:bodyPr/>
+                    <a:lstStyle/>
+                    <a:p>
+                      <a:endParaRPr lang="de-DE" sz="1800" b="0"/>
+                    </a:p>
+                  </a:txBody>
+                  <a:tcPr>
+                    <a:lnL w="12700" cap="flat" cmpd="sng" algn="ctr">
+                      <a:solidFill>
+                        <a:schemeClr val="tx1"/>
+                      </a:solidFill>
+                      <a:prstDash val="solid"/>
+                      <a:round/>
+                      <a:headEnd type="none" w="med" len="med"/>
+                      <a:tailEnd type="none" w="med" len="med"/>
+                    </a:lnL>
+                    <a:lnR w="12700" cap="flat" cmpd="sng" algn="ctr">
+                      <a:solidFill>
+                        <a:schemeClr val="tx1"/>
+                      </a:solidFill>
+                      <a:prstDash val="solid"/>
+                      <a:round/>
+                      <a:headEnd type="none" w="med" len="med"/>
+                      <a:tailEnd type="none" w="med" len="med"/>
+                    </a:lnR>
+                    <a:lnT w="12700" cap="flat" cmpd="sng" algn="ctr">
+                      <a:solidFill>
+                        <a:schemeClr val="tx1"/>
+                      </a:solidFill>
+                      <a:prstDash val="solid"/>
+                      <a:round/>
+                      <a:headEnd type="none" w="med" len="med"/>
+                      <a:tailEnd type="none" w="med" len="med"/>
+                    </a:lnT>
+                    <a:lnB w="12700" cap="flat" cmpd="sng" algn="ctr">
+                      <a:solidFill>
+                        <a:schemeClr val="tx1"/>
+                      </a:solidFill>
+                      <a:prstDash val="solid"/>
+                      <a:round/>
+                      <a:headEnd type="none" w="med" len="med"/>
+                      <a:tailEnd type="none" w="med" len="med"/>
+                    </a:lnB>
+                    <a:solidFill>
+                      <a:schemeClr val="bg1"/>
+                    </a:solidFill>
+                  </a:tcPr>
+                </a:tc>
+                <a:tc>
+                  <a:txBody>
+                    <a:bodyPr/>
+                    <a:lstStyle/>
+                    <a:p>
+                      <a:endParaRPr lang="de-DE" sz="1800" b="0" dirty="0"/>
+                    </a:p>
+                  </a:txBody>
+                  <a:tcPr>
+                    <a:lnL w="12700" cap="flat" cmpd="sng" algn="ctr">
+                      <a:solidFill>
+                        <a:schemeClr val="tx1"/>
+                      </a:solidFill>
+                      <a:prstDash val="solid"/>
+                      <a:round/>
+                      <a:headEnd type="none" w="med" len="med"/>
+                      <a:tailEnd type="none" w="med" len="med"/>
+                    </a:lnL>
+                    <a:lnR w="12700" cap="flat" cmpd="sng" algn="ctr">
+                      <a:solidFill>
+                        <a:schemeClr val="tx1"/>
+                      </a:solidFill>
+                      <a:prstDash val="solid"/>
+                      <a:round/>
+                      <a:headEnd type="none" w="med" len="med"/>
+                      <a:tailEnd type="none" w="med" len="med"/>
+                    </a:lnR>
+                    <a:lnT w="12700" cap="flat" cmpd="sng" algn="ctr">
+                      <a:solidFill>
+                        <a:schemeClr val="tx1"/>
+                      </a:solidFill>
+                      <a:prstDash val="solid"/>
+                      <a:round/>
+                      <a:headEnd type="none" w="med" len="med"/>
+                      <a:tailEnd type="none" w="med" len="med"/>
+                    </a:lnT>
+                    <a:lnB w="12700" cap="flat" cmpd="sng" algn="ctr">
+                      <a:solidFill>
+                        <a:schemeClr val="tx1"/>
+                      </a:solidFill>
+                      <a:prstDash val="solid"/>
+                      <a:round/>
+                      <a:headEnd type="none" w="med" len="med"/>
+                      <a:tailEnd type="none" w="med" len="med"/>
+                    </a:lnB>
+                    <a:solidFill>
+                      <a:schemeClr val="bg1"/>
+                    </a:solidFill>
+                  </a:tcPr>
+                </a:tc>
+                <a:tc>
+                  <a:txBody>
+                    <a:bodyPr/>
+                    <a:lstStyle/>
+                    <a:p>
+                      <a:endParaRPr lang="de-DE" sz="1800" b="0" dirty="0"/>
+                    </a:p>
+                  </a:txBody>
+                  <a:tcPr>
+                    <a:lnL w="12700" cap="flat" cmpd="sng" algn="ctr">
+                      <a:solidFill>
+                        <a:schemeClr val="tx1"/>
+                      </a:solidFill>
+                      <a:prstDash val="solid"/>
+                      <a:round/>
+                      <a:headEnd type="none" w="med" len="med"/>
+                      <a:tailEnd type="none" w="med" len="med"/>
+                    </a:lnL>
+                    <a:lnR w="12700" cap="flat" cmpd="sng" algn="ctr">
+                      <a:solidFill>
+                        <a:schemeClr val="tx1"/>
+                      </a:solidFill>
+                      <a:prstDash val="solid"/>
+                      <a:round/>
+                      <a:headEnd type="none" w="med" len="med"/>
+                      <a:tailEnd type="none" w="med" len="med"/>
+                    </a:lnR>
+                    <a:lnT w="12700" cap="flat" cmpd="sng" algn="ctr">
+                      <a:solidFill>
+                        <a:schemeClr val="tx1"/>
+                      </a:solidFill>
+                      <a:prstDash val="solid"/>
+                      <a:round/>
+                      <a:headEnd type="none" w="med" len="med"/>
+                      <a:tailEnd type="none" w="med" len="med"/>
+                    </a:lnT>
+                    <a:lnB w="12700" cap="flat" cmpd="sng" algn="ctr">
+                      <a:solidFill>
+                        <a:schemeClr val="tx1"/>
+                      </a:solidFill>
+                      <a:prstDash val="solid"/>
+                      <a:round/>
+                      <a:headEnd type="none" w="med" len="med"/>
+                      <a:tailEnd type="none" w="med" len="med"/>
+                    </a:lnB>
+                    <a:solidFill>
+                      <a:schemeClr val="bg1"/>
+                    </a:solidFill>
+                  </a:tcPr>
+                </a:tc>
+                <a:extLst>
+                  <a:ext uri="{0D108BD9-81ED-4DB2-BD59-A6C34878D82A}">
+                    <a16:rowId xmlns:a16="http://schemas.microsoft.com/office/drawing/2014/main" val="3858569593"/>
+                  </a:ext>
+                </a:extLst>
+              </a:tr>
+              <a:tr h="947163">
+                <a:tc>
+                  <a:txBody>
+                    <a:bodyPr/>
+                    <a:lstStyle/>
+                    <a:p>
+                      <a:endParaRPr lang="de-DE" sz="1800" b="0" dirty="0"/>
+                    </a:p>
+                  </a:txBody>
+                  <a:tcPr>
+                    <a:lnL w="12700" cap="flat" cmpd="sng" algn="ctr">
+                      <a:noFill/>
+                      <a:prstDash val="solid"/>
+                      <a:round/>
+                      <a:headEnd type="none" w="med" len="med"/>
+                      <a:tailEnd type="none" w="med" len="med"/>
+                    </a:lnL>
+                    <a:lnR w="12700" cap="flat" cmpd="sng" algn="ctr">
+                      <a:noFill/>
+                      <a:prstDash val="solid"/>
+                      <a:round/>
+                      <a:headEnd type="none" w="med" len="med"/>
+                      <a:tailEnd type="none" w="med" len="med"/>
+                    </a:lnR>
+                    <a:lnT w="12700" cap="flat" cmpd="sng" algn="ctr">
+                      <a:noFill/>
+                      <a:prstDash val="solid"/>
+                      <a:round/>
+                      <a:headEnd type="none" w="med" len="med"/>
+                      <a:tailEnd type="none" w="med" len="med"/>
+                    </a:lnT>
+                    <a:lnB w="12700" cap="flat" cmpd="sng" algn="ctr">
+                      <a:noFill/>
+                      <a:prstDash val="solid"/>
+                      <a:round/>
+                      <a:headEnd type="none" w="med" len="med"/>
+                      <a:tailEnd type="none" w="med" len="med"/>
+                    </a:lnB>
+                    <a:lnTlToBr w="12700" cmpd="sng">
+                      <a:noFill/>
+                      <a:prstDash val="solid"/>
+                    </a:lnTlToBr>
+                    <a:lnBlToTr w="12700" cmpd="sng">
+                      <a:noFill/>
+                      <a:prstDash val="solid"/>
+                    </a:lnBlToTr>
+                    <a:solidFill>
+                      <a:schemeClr val="bg1"/>
+                    </a:solidFill>
+                  </a:tcPr>
+                </a:tc>
+                <a:tc>
+                  <a:txBody>
+                    <a:bodyPr/>
+                    <a:lstStyle/>
+                    <a:p>
+                      <a:r>
+                        <a:rPr lang="de-DE" sz="1800" b="0" dirty="0"/>
+                        <a:t>gering</a:t>
+                      </a:r>
+                    </a:p>
+                  </a:txBody>
+                  <a:tcPr>
+                    <a:lnL w="12700" cap="flat" cmpd="sng" algn="ctr">
+                      <a:noFill/>
+                      <a:prstDash val="solid"/>
+                      <a:round/>
+                      <a:headEnd type="none" w="med" len="med"/>
+                      <a:tailEnd type="none" w="med" len="med"/>
+                    </a:lnL>
+                    <a:lnR w="12700" cap="flat" cmpd="sng" algn="ctr">
+                      <a:noFill/>
+                      <a:prstDash val="solid"/>
+                      <a:round/>
+                      <a:headEnd type="none" w="med" len="med"/>
+                      <a:tailEnd type="none" w="med" len="med"/>
+                    </a:lnR>
+                    <a:lnT w="12700" cap="flat" cmpd="sng" algn="ctr">
+                      <a:solidFill>
+                        <a:schemeClr val="tx1"/>
+                      </a:solidFill>
+                      <a:prstDash val="solid"/>
+                      <a:round/>
+                      <a:headEnd type="none" w="med" len="med"/>
+                      <a:tailEnd type="none" w="med" len="med"/>
+                    </a:lnT>
+                    <a:lnB w="12700" cap="flat" cmpd="sng" algn="ctr">
+                      <a:noFill/>
+                      <a:prstDash val="solid"/>
+                      <a:round/>
+                      <a:headEnd type="none" w="med" len="med"/>
+                      <a:tailEnd type="none" w="med" len="med"/>
+                    </a:lnB>
+                    <a:lnTlToBr w="12700" cmpd="sng">
+                      <a:noFill/>
+                      <a:prstDash val="solid"/>
+                    </a:lnTlToBr>
+                    <a:lnBlToTr w="12700" cmpd="sng">
+                      <a:noFill/>
+                      <a:prstDash val="solid"/>
+                    </a:lnBlToTr>
+                    <a:solidFill>
+                      <a:schemeClr val="bg1"/>
+                    </a:solidFill>
+                  </a:tcPr>
+                </a:tc>
+                <a:tc>
+                  <a:txBody>
+                    <a:bodyPr/>
+                    <a:lstStyle/>
+                    <a:p>
+                      <a:r>
+                        <a:rPr lang="de-DE" sz="1800" b="0" dirty="0"/>
+                        <a:t>eher gering</a:t>
+                      </a:r>
+                    </a:p>
+                  </a:txBody>
+                  <a:tcPr>
+                    <a:lnL w="12700" cap="flat" cmpd="sng" algn="ctr">
+                      <a:noFill/>
+                      <a:prstDash val="solid"/>
+                      <a:round/>
+                      <a:headEnd type="none" w="med" len="med"/>
+                      <a:tailEnd type="none" w="med" len="med"/>
+                    </a:lnL>
+                    <a:lnR w="12700" cap="flat" cmpd="sng" algn="ctr">
+                      <a:noFill/>
+                      <a:prstDash val="solid"/>
+                      <a:round/>
+                      <a:headEnd type="none" w="med" len="med"/>
+                      <a:tailEnd type="none" w="med" len="med"/>
+                    </a:lnR>
+                    <a:lnT w="12700" cap="flat" cmpd="sng" algn="ctr">
+                      <a:solidFill>
+                        <a:schemeClr val="tx1"/>
+                      </a:solidFill>
+                      <a:prstDash val="solid"/>
+                      <a:round/>
+                      <a:headEnd type="none" w="med" len="med"/>
+                      <a:tailEnd type="none" w="med" len="med"/>
+                    </a:lnT>
+                    <a:lnB w="12700" cap="flat" cmpd="sng" algn="ctr">
+                      <a:noFill/>
+                      <a:prstDash val="solid"/>
+                      <a:round/>
+                      <a:headEnd type="none" w="med" len="med"/>
+                      <a:tailEnd type="none" w="med" len="med"/>
+                    </a:lnB>
+                    <a:lnTlToBr w="12700" cmpd="sng">
+                      <a:noFill/>
+                      <a:prstDash val="solid"/>
+                    </a:lnTlToBr>
+                    <a:lnBlToTr w="12700" cmpd="sng">
+                      <a:noFill/>
+                      <a:prstDash val="solid"/>
+                    </a:lnBlToTr>
+                    <a:solidFill>
+                      <a:schemeClr val="bg1"/>
+                    </a:solidFill>
+                  </a:tcPr>
+                </a:tc>
+                <a:tc>
+                  <a:txBody>
+                    <a:bodyPr/>
+                    <a:lstStyle/>
+                    <a:p>
+                      <a:r>
+                        <a:rPr lang="de-DE" sz="1800" b="0" dirty="0"/>
+                        <a:t>eher hoch</a:t>
+                      </a:r>
+                    </a:p>
+                  </a:txBody>
+                  <a:tcPr>
+                    <a:lnL w="12700" cap="flat" cmpd="sng" algn="ctr">
+                      <a:noFill/>
+                      <a:prstDash val="solid"/>
+                      <a:round/>
+                      <a:headEnd type="none" w="med" len="med"/>
+                      <a:tailEnd type="none" w="med" len="med"/>
+                    </a:lnL>
+                    <a:lnR w="12700" cap="flat" cmpd="sng" algn="ctr">
+                      <a:noFill/>
+                      <a:prstDash val="solid"/>
+                      <a:round/>
+                      <a:headEnd type="none" w="med" len="med"/>
+                      <a:tailEnd type="none" w="med" len="med"/>
+                    </a:lnR>
+                    <a:lnT w="12700" cap="flat" cmpd="sng" algn="ctr">
+                      <a:solidFill>
+                        <a:schemeClr val="tx1"/>
+                      </a:solidFill>
+                      <a:prstDash val="solid"/>
+                      <a:round/>
+                      <a:headEnd type="none" w="med" len="med"/>
+                      <a:tailEnd type="none" w="med" len="med"/>
+                    </a:lnT>
+                    <a:lnB w="12700" cap="flat" cmpd="sng" algn="ctr">
+                      <a:noFill/>
+                      <a:prstDash val="solid"/>
+                      <a:round/>
+                      <a:headEnd type="none" w="med" len="med"/>
+                      <a:tailEnd type="none" w="med" len="med"/>
+                    </a:lnB>
+                    <a:lnTlToBr w="12700" cmpd="sng">
+                      <a:noFill/>
+                      <a:prstDash val="solid"/>
+                    </a:lnTlToBr>
+                    <a:lnBlToTr w="12700" cmpd="sng">
+                      <a:noFill/>
+                      <a:prstDash val="solid"/>
+                    </a:lnBlToTr>
+                    <a:solidFill>
+                      <a:schemeClr val="bg1"/>
+                    </a:solidFill>
+                  </a:tcPr>
+                </a:tc>
+                <a:tc>
+                  <a:txBody>
+                    <a:bodyPr/>
+                    <a:lstStyle/>
+                    <a:p>
+                      <a:r>
+                        <a:rPr lang="de-DE" sz="1800" b="0" dirty="0"/>
+                        <a:t>hoch</a:t>
+                      </a:r>
+                    </a:p>
+                  </a:txBody>
+                  <a:tcPr>
+                    <a:lnL w="12700" cap="flat" cmpd="sng" algn="ctr">
+                      <a:noFill/>
+                      <a:prstDash val="solid"/>
+                      <a:round/>
+                      <a:headEnd type="none" w="med" len="med"/>
+                      <a:tailEnd type="none" w="med" len="med"/>
+                    </a:lnL>
+                    <a:lnR w="12700" cap="flat" cmpd="sng" algn="ctr">
+                      <a:noFill/>
+                      <a:prstDash val="solid"/>
+                      <a:round/>
+                      <a:headEnd type="none" w="med" len="med"/>
+                      <a:tailEnd type="none" w="med" len="med"/>
+                    </a:lnR>
+                    <a:lnT w="12700" cap="flat" cmpd="sng" algn="ctr">
+                      <a:solidFill>
+                        <a:schemeClr val="tx1"/>
+                      </a:solidFill>
+                      <a:prstDash val="solid"/>
+                      <a:round/>
+                      <a:headEnd type="none" w="med" len="med"/>
+                      <a:tailEnd type="none" w="med" len="med"/>
+                    </a:lnT>
+                    <a:lnB w="12700" cap="flat" cmpd="sng" algn="ctr">
+                      <a:noFill/>
+                      <a:prstDash val="solid"/>
+                      <a:round/>
+                      <a:headEnd type="none" w="med" len="med"/>
+                      <a:tailEnd type="none" w="med" len="med"/>
+                    </a:lnB>
+                    <a:lnTlToBr w="12700" cmpd="sng">
+                      <a:noFill/>
+                      <a:prstDash val="solid"/>
+                    </a:lnTlToBr>
+                    <a:lnBlToTr w="12700" cmpd="sng">
+                      <a:noFill/>
+                      <a:prstDash val="solid"/>
+                    </a:lnBlToTr>
+                    <a:solidFill>
+                      <a:schemeClr val="bg1"/>
+                    </a:solidFill>
+                  </a:tcPr>
+                </a:tc>
+                <a:extLst>
+                  <a:ext uri="{0D108BD9-81ED-4DB2-BD59-A6C34878D82A}">
+                    <a16:rowId xmlns:a16="http://schemas.microsoft.com/office/drawing/2014/main" val="574562269"/>
+                  </a:ext>
+                </a:extLst>
+              </a:tr>
+            </a:tbl>
+          </a:graphicData>
+        </a:graphic>
+      </p:graphicFrame>
+      <p:sp>
+        <p:nvSpPr>
+          <p:cNvPr id="7" name="Textfeld 6"/>
+          <p:cNvSpPr txBox="1"/>
+          <p:nvPr/>
+        </p:nvSpPr>
+        <p:spPr>
+          <a:xfrm>
+            <a:off x="838200" y="1456290"/>
+            <a:ext cx="2040924" cy="369332"/>
+          </a:xfrm>
+          <a:prstGeom prst="rect">
+            <a:avLst/>
+          </a:prstGeom>
+          <a:noFill/>
+        </p:spPr>
+        <p:txBody>
+          <a:bodyPr wrap="square" rtlCol="0">
+            <a:spAutoFit/>
+          </a:bodyPr>
+          <a:lstStyle/>
+          <a:p>
+            <a:r>
+              <a:rPr lang="de-DE" b="1" dirty="0"/>
+              <a:t>Tragweite</a:t>
+            </a:r>
+          </a:p>
+        </p:txBody>
+      </p:sp>
+      <p:sp>
+        <p:nvSpPr>
+          <p:cNvPr id="8" name="Textfeld 7"/>
+          <p:cNvSpPr txBox="1"/>
+          <p:nvPr/>
+        </p:nvSpPr>
+        <p:spPr>
+          <a:xfrm>
+            <a:off x="9354065" y="6020053"/>
+            <a:ext cx="2837935" cy="369332"/>
+          </a:xfrm>
+          <a:prstGeom prst="rect">
+            <a:avLst/>
+          </a:prstGeom>
+          <a:noFill/>
+        </p:spPr>
+        <p:txBody>
+          <a:bodyPr wrap="square" rtlCol="0">
+            <a:spAutoFit/>
+          </a:bodyPr>
+          <a:lstStyle/>
+          <a:p>
+            <a:r>
+              <a:rPr lang="de-DE" b="1" dirty="0"/>
+              <a:t>Eintrittswahrscheinlichkeit</a:t>
+            </a:r>
+          </a:p>
+        </p:txBody>
+      </p:sp>
+      <p:sp>
+        <p:nvSpPr>
+          <p:cNvPr id="9" name="Ellipse 8"/>
+          <p:cNvSpPr/>
+          <p:nvPr/>
+        </p:nvSpPr>
+        <p:spPr>
+          <a:xfrm>
+            <a:off x="3556250" y="2468802"/>
             <a:ext cx="951471" cy="803189"/>
           </a:xfrm>
           <a:prstGeom prst="ellipse">
@@ -4689,17 +6400,321 @@
           <a:p>
             <a:pPr algn="ctr"/>
             <a:r>
-              <a:rPr lang="de-DE" sz="1200" dirty="0" err="1"/>
-              <a:t>Kon-kurrenz</a:t>
-            </a:r>
-            <a:endParaRPr lang="de-DE" sz="1200" dirty="0"/>
+              <a:rPr lang="de-DE" sz="1200" dirty="0"/>
+              <a:t>Zeit</a:t>
+            </a:r>
+          </a:p>
+        </p:txBody>
+      </p:sp>
+      <p:sp>
+        <p:nvSpPr>
+          <p:cNvPr id="10" name="Ellipse 9"/>
+          <p:cNvSpPr/>
+          <p:nvPr/>
+        </p:nvSpPr>
+        <p:spPr>
+          <a:xfrm>
+            <a:off x="2997545" y="1802026"/>
+            <a:ext cx="1037967" cy="840260"/>
+          </a:xfrm>
+          <a:prstGeom prst="ellipse">
+            <a:avLst/>
+          </a:prstGeom>
+        </p:spPr>
+        <p:style>
+          <a:lnRef idx="2">
+            <a:schemeClr val="accent2">
+              <a:shade val="50000"/>
+            </a:schemeClr>
+          </a:lnRef>
+          <a:fillRef idx="1">
+            <a:schemeClr val="accent2"/>
+          </a:fillRef>
+          <a:effectRef idx="0">
+            <a:schemeClr val="accent2"/>
+          </a:effectRef>
+          <a:fontRef idx="minor">
+            <a:schemeClr val="lt1"/>
+          </a:fontRef>
+        </p:style>
+        <p:txBody>
+          <a:bodyPr rtlCol="0" anchor="ctr"/>
+          <a:lstStyle/>
+          <a:p>
+            <a:pPr algn="ctr"/>
+            <a:r>
+              <a:rPr lang="de-DE" sz="1200" dirty="0"/>
+              <a:t>Abbruch</a:t>
+            </a:r>
+          </a:p>
+        </p:txBody>
+      </p:sp>
+      <p:sp>
+        <p:nvSpPr>
+          <p:cNvPr id="11" name="Ellipse 10"/>
+          <p:cNvSpPr/>
+          <p:nvPr/>
+        </p:nvSpPr>
+        <p:spPr>
+          <a:xfrm>
+            <a:off x="9292894" y="1890946"/>
+            <a:ext cx="951471" cy="803189"/>
+          </a:xfrm>
+          <a:prstGeom prst="ellipse">
+            <a:avLst/>
+          </a:prstGeom>
+        </p:spPr>
+        <p:style>
+          <a:lnRef idx="2">
+            <a:schemeClr val="accent6">
+              <a:shade val="50000"/>
+            </a:schemeClr>
+          </a:lnRef>
+          <a:fillRef idx="1">
+            <a:schemeClr val="accent6"/>
+          </a:fillRef>
+          <a:effectRef idx="0">
+            <a:schemeClr val="accent6"/>
+          </a:effectRef>
+          <a:fontRef idx="minor">
+            <a:schemeClr val="lt1"/>
+          </a:fontRef>
+        </p:style>
+        <p:txBody>
+          <a:bodyPr rtlCol="0" anchor="ctr"/>
+          <a:lstStyle/>
+          <a:p>
+            <a:pPr algn="ctr"/>
+            <a:r>
+              <a:rPr lang="de-DE" sz="1100" dirty="0" err="1"/>
+              <a:t>Erfas-sung</a:t>
+            </a:r>
+            <a:r>
+              <a:rPr lang="de-DE" sz="1100" dirty="0"/>
+              <a:t> Projekte</a:t>
+            </a:r>
+          </a:p>
+        </p:txBody>
+      </p:sp>
+      <p:sp>
+        <p:nvSpPr>
+          <p:cNvPr id="12" name="Ellipse 11"/>
+          <p:cNvSpPr/>
+          <p:nvPr/>
+        </p:nvSpPr>
+        <p:spPr>
+          <a:xfrm>
+            <a:off x="9240792" y="2870396"/>
+            <a:ext cx="951471" cy="803189"/>
+          </a:xfrm>
+          <a:prstGeom prst="ellipse">
+            <a:avLst/>
+          </a:prstGeom>
+        </p:spPr>
+        <p:style>
+          <a:lnRef idx="2">
+            <a:schemeClr val="accent6">
+              <a:shade val="50000"/>
+            </a:schemeClr>
+          </a:lnRef>
+          <a:fillRef idx="1">
+            <a:schemeClr val="accent6"/>
+          </a:fillRef>
+          <a:effectRef idx="0">
+            <a:schemeClr val="accent6"/>
+          </a:effectRef>
+          <a:fontRef idx="minor">
+            <a:schemeClr val="lt1"/>
+          </a:fontRef>
+        </p:style>
+        <p:txBody>
+          <a:bodyPr rtlCol="0" anchor="ctr"/>
+          <a:lstStyle/>
+          <a:p>
+            <a:pPr algn="ctr"/>
+            <a:r>
+              <a:rPr lang="de-DE" sz="1200" dirty="0"/>
+              <a:t>Über-sicht Projekte</a:t>
+            </a:r>
+          </a:p>
+        </p:txBody>
+      </p:sp>
+      <p:sp>
+        <p:nvSpPr>
+          <p:cNvPr id="13" name="Ellipse 12"/>
+          <p:cNvSpPr/>
+          <p:nvPr/>
+        </p:nvSpPr>
+        <p:spPr>
+          <a:xfrm>
+            <a:off x="10306565" y="1880018"/>
+            <a:ext cx="951471" cy="803189"/>
+          </a:xfrm>
+          <a:prstGeom prst="ellipse">
+            <a:avLst/>
+          </a:prstGeom>
+        </p:spPr>
+        <p:style>
+          <a:lnRef idx="2">
+            <a:schemeClr val="accent6">
+              <a:shade val="50000"/>
+            </a:schemeClr>
+          </a:lnRef>
+          <a:fillRef idx="1">
+            <a:schemeClr val="accent6"/>
+          </a:fillRef>
+          <a:effectRef idx="0">
+            <a:schemeClr val="accent6"/>
+          </a:effectRef>
+          <a:fontRef idx="minor">
+            <a:schemeClr val="lt1"/>
+          </a:fontRef>
+        </p:style>
+        <p:txBody>
+          <a:bodyPr rtlCol="0" anchor="ctr"/>
+          <a:lstStyle/>
+          <a:p>
+            <a:pPr algn="ctr"/>
+            <a:r>
+              <a:rPr lang="de-DE" sz="1200" dirty="0"/>
+              <a:t>Budget-planung</a:t>
+            </a:r>
+          </a:p>
+        </p:txBody>
+      </p:sp>
+      <p:sp>
+        <p:nvSpPr>
+          <p:cNvPr id="16" name="Ellipse 15"/>
+          <p:cNvSpPr/>
+          <p:nvPr/>
+        </p:nvSpPr>
+        <p:spPr>
+          <a:xfrm>
+            <a:off x="4031986" y="1802026"/>
+            <a:ext cx="1037967" cy="840260"/>
+          </a:xfrm>
+          <a:prstGeom prst="ellipse">
+            <a:avLst/>
+          </a:prstGeom>
+        </p:spPr>
+        <p:style>
+          <a:lnRef idx="2">
+            <a:schemeClr val="accent2">
+              <a:shade val="50000"/>
+            </a:schemeClr>
+          </a:lnRef>
+          <a:fillRef idx="1">
+            <a:schemeClr val="accent2"/>
+          </a:fillRef>
+          <a:effectRef idx="0">
+            <a:schemeClr val="accent2"/>
+          </a:effectRef>
+          <a:fontRef idx="minor">
+            <a:schemeClr val="lt1"/>
+          </a:fontRef>
+        </p:style>
+        <p:txBody>
+          <a:bodyPr rtlCol="0" anchor="ctr"/>
+          <a:lstStyle/>
+          <a:p>
+            <a:pPr algn="ctr"/>
+            <a:r>
+              <a:rPr lang="de-DE" sz="1200" dirty="0"/>
+              <a:t>Fehlende Qualifikation</a:t>
+            </a:r>
+          </a:p>
+        </p:txBody>
+      </p:sp>
+      <p:sp>
+        <p:nvSpPr>
+          <p:cNvPr id="17" name="Ellipse 16"/>
+          <p:cNvSpPr/>
+          <p:nvPr/>
+        </p:nvSpPr>
+        <p:spPr>
+          <a:xfrm>
+            <a:off x="5458793" y="2730843"/>
+            <a:ext cx="1037967" cy="840260"/>
+          </a:xfrm>
+          <a:prstGeom prst="ellipse">
+            <a:avLst/>
+          </a:prstGeom>
+        </p:spPr>
+        <p:style>
+          <a:lnRef idx="2">
+            <a:schemeClr val="accent2">
+              <a:shade val="50000"/>
+            </a:schemeClr>
+          </a:lnRef>
+          <a:fillRef idx="1">
+            <a:schemeClr val="accent2"/>
+          </a:fillRef>
+          <a:effectRef idx="0">
+            <a:schemeClr val="accent2"/>
+          </a:effectRef>
+          <a:fontRef idx="minor">
+            <a:schemeClr val="lt1"/>
+          </a:fontRef>
+        </p:style>
+        <p:txBody>
+          <a:bodyPr rtlCol="0" anchor="ctr"/>
+          <a:lstStyle/>
+          <a:p>
+            <a:pPr algn="ctr"/>
+            <a:r>
+              <a:rPr lang="de-DE" sz="1200" dirty="0"/>
+              <a:t>Abweichung  des Projekts</a:t>
+            </a:r>
+          </a:p>
+        </p:txBody>
+      </p:sp>
+      <p:sp>
+        <p:nvSpPr>
+          <p:cNvPr id="18" name="Ellipse 17"/>
+          <p:cNvSpPr/>
+          <p:nvPr/>
+        </p:nvSpPr>
+        <p:spPr>
+          <a:xfrm>
+            <a:off x="10297296" y="2807557"/>
+            <a:ext cx="951471" cy="803189"/>
+          </a:xfrm>
+          <a:prstGeom prst="ellipse">
+            <a:avLst/>
+          </a:prstGeom>
+        </p:spPr>
+        <p:style>
+          <a:lnRef idx="2">
+            <a:schemeClr val="accent6">
+              <a:shade val="50000"/>
+            </a:schemeClr>
+          </a:lnRef>
+          <a:fillRef idx="1">
+            <a:schemeClr val="accent6"/>
+          </a:fillRef>
+          <a:effectRef idx="0">
+            <a:schemeClr val="accent6"/>
+          </a:effectRef>
+          <a:fontRef idx="minor">
+            <a:schemeClr val="lt1"/>
+          </a:fontRef>
+        </p:style>
+        <p:txBody>
+          <a:bodyPr rtlCol="0" anchor="ctr"/>
+          <a:lstStyle/>
+          <a:p>
+            <a:pPr algn="ctr"/>
+            <a:r>
+              <a:rPr lang="de-DE" sz="1100" dirty="0"/>
+              <a:t>Effektivitätssteigerung</a:t>
+            </a:r>
           </a:p>
         </p:txBody>
       </p:sp>
     </p:spTree>
     <p:extLst>
       <p:ext uri="{BB962C8B-B14F-4D97-AF65-F5344CB8AC3E}">
-        <p14:creationId xmlns:p14="http://schemas.microsoft.com/office/powerpoint/2010/main" val="3261811099"/>
+        <p14:creationId xmlns:p14="http://schemas.microsoft.com/office/powerpoint/2010/main" val="2064898350"/>
       </p:ext>
     </p:extLst>
   </p:cSld>
